--- a/PGPARQ01C1-2N-P1-Arquitetura-Corporativa.pptx
+++ b/PGPARQ01C1-2N-P1-Arquitetura-Corporativa.pptx
@@ -5,22 +5,21 @@
     <p:sldMasterId id="2147483738" r:id="rId1"/>
   </p:sldMasterIdLst>
   <p:notesMasterIdLst>
-    <p:notesMasterId r:id="rId10"/>
+    <p:notesMasterId r:id="rId9"/>
   </p:notesMasterIdLst>
   <p:sldIdLst>
     <p:sldId id="256" r:id="rId2"/>
-    <p:sldId id="267" r:id="rId3"/>
-    <p:sldId id="302" r:id="rId4"/>
-    <p:sldId id="303" r:id="rId5"/>
-    <p:sldId id="284" r:id="rId6"/>
-    <p:sldId id="301" r:id="rId7"/>
-    <p:sldId id="291" r:id="rId8"/>
-    <p:sldId id="292" r:id="rId9"/>
+    <p:sldId id="302" r:id="rId3"/>
+    <p:sldId id="284" r:id="rId4"/>
+    <p:sldId id="305" r:id="rId5"/>
+    <p:sldId id="304" r:id="rId6"/>
+    <p:sldId id="291" r:id="rId7"/>
+    <p:sldId id="292" r:id="rId8"/>
   </p:sldIdLst>
   <p:sldSz cx="12192000" cy="6858000"/>
   <p:notesSz cx="7104063" cy="10234613"/>
   <p:custDataLst>
-    <p:tags r:id="rId11"/>
+    <p:tags r:id="rId10"/>
   </p:custDataLst>
   <p:defaultTextStyle>
     <a:defPPr>
@@ -207,7 +206,7 @@
           <a:p>
             <a:fld id="{55BECDCE-FB37-4BE8-AC87-6D19C222C26D}" type="datetimeFigureOut">
               <a:rPr lang="pt-BR" smtClean="0"/>
-              <a:t>23/04/2021</a:t>
+              <a:t>25/04/2021</a:t>
             </a:fld>
             <a:endParaRPr lang="pt-BR"/>
           </a:p>
@@ -365,7 +364,7 @@
           <a:p>
             <a:fld id="{788568F6-5D13-43A5-A7AE-BAB951121075}" type="slidenum">
               <a:rPr lang="pt-BR" smtClean="0"/>
-              <a:t>‹nº›</a:t>
+              <a:t>‹#›</a:t>
             </a:fld>
             <a:endParaRPr lang="pt-BR"/>
           </a:p>
@@ -623,7 +622,7 @@
           <a:p>
             <a:fld id="{788568F6-5D13-43A5-A7AE-BAB951121075}" type="slidenum">
               <a:rPr lang="pt-BR" smtClean="0"/>
-              <a:t>8</a:t>
+              <a:t>7</a:t>
             </a:fld>
             <a:endParaRPr lang="pt-BR"/>
           </a:p>
@@ -789,7 +788,7 @@
           <a:p>
             <a:fld id="{72401DC7-AFA8-4A4E-8829-B7D40A2E139C}" type="datetime1">
               <a:rPr lang="pt-BR" smtClean="0"/>
-              <a:t>23/04/2021</a:t>
+              <a:t>25/04/2021</a:t>
             </a:fld>
             <a:endParaRPr lang="pt-BR"/>
           </a:p>
@@ -843,7 +842,7 @@
           <a:p>
             <a:fld id="{47797270-BFBB-4212-9FDA-8EE01FE91F8C}" type="slidenum">
               <a:rPr lang="pt-BR" smtClean="0"/>
-              <a:t>‹nº›</a:t>
+              <a:t>‹#›</a:t>
             </a:fld>
             <a:endParaRPr lang="pt-BR"/>
           </a:p>
@@ -988,7 +987,7 @@
           <a:p>
             <a:fld id="{72401DC7-AFA8-4A4E-8829-B7D40A2E139C}" type="datetime1">
               <a:rPr lang="pt-BR" smtClean="0"/>
-              <a:t>23/04/2021</a:t>
+              <a:t>25/04/2021</a:t>
             </a:fld>
             <a:endParaRPr lang="pt-BR"/>
           </a:p>
@@ -1042,7 +1041,7 @@
           <a:p>
             <a:fld id="{47797270-BFBB-4212-9FDA-8EE01FE91F8C}" type="slidenum">
               <a:rPr lang="pt-BR" smtClean="0"/>
-              <a:t>‹nº›</a:t>
+              <a:t>‹#›</a:t>
             </a:fld>
             <a:endParaRPr lang="pt-BR"/>
           </a:p>
@@ -1197,7 +1196,7 @@
           <a:p>
             <a:fld id="{72401DC7-AFA8-4A4E-8829-B7D40A2E139C}" type="datetime1">
               <a:rPr lang="pt-BR" smtClean="0"/>
-              <a:t>23/04/2021</a:t>
+              <a:t>25/04/2021</a:t>
             </a:fld>
             <a:endParaRPr lang="pt-BR"/>
           </a:p>
@@ -1251,7 +1250,7 @@
           <a:p>
             <a:fld id="{47797270-BFBB-4212-9FDA-8EE01FE91F8C}" type="slidenum">
               <a:rPr lang="pt-BR" smtClean="0"/>
-              <a:t>‹nº›</a:t>
+              <a:t>‹#›</a:t>
             </a:fld>
             <a:endParaRPr lang="pt-BR"/>
           </a:p>
@@ -1396,7 +1395,7 @@
           <a:p>
             <a:fld id="{72401DC7-AFA8-4A4E-8829-B7D40A2E139C}" type="datetime1">
               <a:rPr lang="pt-BR" smtClean="0"/>
-              <a:t>23/04/2021</a:t>
+              <a:t>25/04/2021</a:t>
             </a:fld>
             <a:endParaRPr lang="pt-BR"/>
           </a:p>
@@ -1450,7 +1449,7 @@
           <a:p>
             <a:fld id="{47797270-BFBB-4212-9FDA-8EE01FE91F8C}" type="slidenum">
               <a:rPr lang="pt-BR" smtClean="0"/>
-              <a:t>‹nº›</a:t>
+              <a:t>‹#›</a:t>
             </a:fld>
             <a:endParaRPr lang="pt-BR"/>
           </a:p>
@@ -1672,7 +1671,7 @@
           <a:p>
             <a:fld id="{643A11A1-EEE3-4743-8BCA-DE45088FCD18}" type="datetime1">
               <a:rPr lang="pt-BR" smtClean="0"/>
-              <a:t>23/04/2021</a:t>
+              <a:t>25/04/2021</a:t>
             </a:fld>
             <a:endParaRPr lang="pt-BR"/>
           </a:p>
@@ -1726,7 +1725,7 @@
           <a:p>
             <a:fld id="{47797270-BFBB-4212-9FDA-8EE01FE91F8C}" type="slidenum">
               <a:rPr lang="pt-BR" smtClean="0"/>
-              <a:t>‹nº›</a:t>
+              <a:t>‹#›</a:t>
             </a:fld>
             <a:endParaRPr lang="pt-BR"/>
           </a:p>
@@ -1937,7 +1936,7 @@
           <a:p>
             <a:fld id="{EE52FBD5-AE7A-4843-8F0B-AC8FDA4415FB}" type="datetime1">
               <a:rPr lang="pt-BR" smtClean="0"/>
-              <a:t>23/04/2021</a:t>
+              <a:t>25/04/2021</a:t>
             </a:fld>
             <a:endParaRPr lang="pt-BR"/>
           </a:p>
@@ -1991,7 +1990,7 @@
           <a:p>
             <a:fld id="{47797270-BFBB-4212-9FDA-8EE01FE91F8C}" type="slidenum">
               <a:rPr lang="pt-BR" smtClean="0"/>
-              <a:t>‹nº›</a:t>
+              <a:t>‹#›</a:t>
             </a:fld>
             <a:endParaRPr lang="pt-BR"/>
           </a:p>
@@ -2349,7 +2348,7 @@
           <a:p>
             <a:fld id="{DD4DA1C0-AD60-403C-BAEB-064673A721B4}" type="datetime1">
               <a:rPr lang="pt-BR" smtClean="0"/>
-              <a:t>23/04/2021</a:t>
+              <a:t>25/04/2021</a:t>
             </a:fld>
             <a:endParaRPr lang="pt-BR"/>
           </a:p>
@@ -2403,7 +2402,7 @@
           <a:p>
             <a:fld id="{47797270-BFBB-4212-9FDA-8EE01FE91F8C}" type="slidenum">
               <a:rPr lang="pt-BR" smtClean="0"/>
-              <a:t>‹nº›</a:t>
+              <a:t>‹#›</a:t>
             </a:fld>
             <a:endParaRPr lang="pt-BR"/>
           </a:p>
@@ -2490,7 +2489,7 @@
           <a:p>
             <a:fld id="{72401DC7-AFA8-4A4E-8829-B7D40A2E139C}" type="datetime1">
               <a:rPr lang="pt-BR" smtClean="0"/>
-              <a:t>23/04/2021</a:t>
+              <a:t>25/04/2021</a:t>
             </a:fld>
             <a:endParaRPr lang="pt-BR"/>
           </a:p>
@@ -2544,7 +2543,7 @@
           <a:p>
             <a:fld id="{47797270-BFBB-4212-9FDA-8EE01FE91F8C}" type="slidenum">
               <a:rPr lang="pt-BR" smtClean="0"/>
-              <a:t>‹nº›</a:t>
+              <a:t>‹#›</a:t>
             </a:fld>
             <a:endParaRPr lang="pt-BR"/>
           </a:p>
@@ -2604,7 +2603,7 @@
           <a:p>
             <a:fld id="{72401DC7-AFA8-4A4E-8829-B7D40A2E139C}" type="datetime1">
               <a:rPr lang="pt-BR" smtClean="0"/>
-              <a:t>23/04/2021</a:t>
+              <a:t>25/04/2021</a:t>
             </a:fld>
             <a:endParaRPr lang="pt-BR"/>
           </a:p>
@@ -2658,7 +2657,7 @@
           <a:p>
             <a:fld id="{47797270-BFBB-4212-9FDA-8EE01FE91F8C}" type="slidenum">
               <a:rPr lang="pt-BR" smtClean="0"/>
-              <a:t>‹nº›</a:t>
+              <a:t>‹#›</a:t>
             </a:fld>
             <a:endParaRPr lang="pt-BR"/>
           </a:p>
@@ -2916,7 +2915,7 @@
           <a:p>
             <a:fld id="{2B41905E-D886-47E9-A95E-56DF85E102EF}" type="datetime1">
               <a:rPr lang="pt-BR" smtClean="0"/>
-              <a:t>23/04/2021</a:t>
+              <a:t>25/04/2021</a:t>
             </a:fld>
             <a:endParaRPr lang="pt-BR"/>
           </a:p>
@@ -2970,7 +2969,7 @@
           <a:p>
             <a:fld id="{47797270-BFBB-4212-9FDA-8EE01FE91F8C}" type="slidenum">
               <a:rPr lang="pt-BR" smtClean="0"/>
-              <a:t>‹nº›</a:t>
+              <a:t>‹#›</a:t>
             </a:fld>
             <a:endParaRPr lang="pt-BR"/>
           </a:p>
@@ -3204,7 +3203,7 @@
           <a:p>
             <a:fld id="{207BD677-3156-4978-A4C5-AD2FA256F6F2}" type="datetime1">
               <a:rPr lang="pt-BR" smtClean="0"/>
-              <a:t>23/04/2021</a:t>
+              <a:t>25/04/2021</a:t>
             </a:fld>
             <a:endParaRPr lang="pt-BR"/>
           </a:p>
@@ -3258,7 +3257,7 @@
           <a:p>
             <a:fld id="{47797270-BFBB-4212-9FDA-8EE01FE91F8C}" type="slidenum">
               <a:rPr lang="pt-BR" smtClean="0"/>
-              <a:t>‹nº›</a:t>
+              <a:t>‹#›</a:t>
             </a:fld>
             <a:endParaRPr lang="pt-BR"/>
           </a:p>
@@ -3445,7 +3444,7 @@
           <a:p>
             <a:fld id="{72401DC7-AFA8-4A4E-8829-B7D40A2E139C}" type="datetime1">
               <a:rPr lang="pt-BR" smtClean="0"/>
-              <a:t>23/04/2021</a:t>
+              <a:t>25/04/2021</a:t>
             </a:fld>
             <a:endParaRPr lang="pt-BR"/>
           </a:p>
@@ -3535,7 +3534,7 @@
           <a:p>
             <a:fld id="{47797270-BFBB-4212-9FDA-8EE01FE91F8C}" type="slidenum">
               <a:rPr lang="pt-BR" smtClean="0"/>
-              <a:t>‹nº›</a:t>
+              <a:t>‹#›</a:t>
             </a:fld>
             <a:endParaRPr lang="pt-BR"/>
           </a:p>
@@ -3942,19 +3941,7 @@
               <a:rPr lang="pt-BR" sz="3600" dirty="0">
                 <a:cs typeface="Calibri"/>
               </a:rPr>
-              <a:t>Professor: Andre </a:t>
-            </a:r>
-            <a:r>
-              <a:rPr lang="pt-BR" sz="3600" dirty="0" err="1">
-                <a:cs typeface="Calibri"/>
-              </a:rPr>
-              <a:t>Ormastroni</a:t>
-            </a:r>
-            <a:r>
-              <a:rPr lang="pt-BR" sz="3600" dirty="0">
-                <a:cs typeface="Calibri"/>
-              </a:rPr>
-              <a:t> Victor</a:t>
+              <a:t>Professor: Andre Ormastroni Victor</a:t>
             </a:r>
           </a:p>
           <a:p>
@@ -4103,8 +4090,8 @@
         </p:nvSpPr>
         <p:spPr>
           <a:xfrm>
-            <a:off x="10083753" y="5228348"/>
-            <a:ext cx="1896738" cy="1698927"/>
+            <a:off x="9976416" y="5201714"/>
+            <a:ext cx="2004075" cy="1698927"/>
           </a:xfrm>
           <a:prstGeom prst="rect">
             <a:avLst/>
@@ -4128,31 +4115,27 @@
               </a:rPr>
               <a:t>Felipe Augusto</a:t>
             </a:r>
-          </a:p>
-          <a:p>
-            <a:pPr algn="r">
-              <a:lnSpc>
-                <a:spcPct val="120000"/>
-              </a:lnSpc>
-            </a:pPr>
+            <a:br>
+              <a:rPr lang="pt-BR" sz="1800" dirty="0">
+                <a:cs typeface="Calibri"/>
+              </a:rPr>
+            </a:br>
+            <a:r>
+              <a:rPr lang="pt-BR" sz="1800" dirty="0">
+                <a:cs typeface="Calibri"/>
+              </a:rPr>
+              <a:t>Luís Ribeiro</a:t>
+            </a:r>
+            <a:br>
+              <a:rPr lang="pt-BR" sz="1800" dirty="0">
+                <a:cs typeface="Calibri"/>
+              </a:rPr>
+            </a:br>
             <a:r>
               <a:rPr lang="pt-BR" sz="1800" dirty="0">
                 <a:cs typeface="Calibri"/>
               </a:rPr>
               <a:t>Rodrigo Germano </a:t>
-            </a:r>
-          </a:p>
-          <a:p>
-            <a:pPr algn="r">
-              <a:lnSpc>
-                <a:spcPct val="120000"/>
-              </a:lnSpc>
-            </a:pPr>
-            <a:r>
-              <a:rPr lang="pt-BR" sz="1800" dirty="0">
-                <a:cs typeface="Calibri"/>
-              </a:rPr>
-              <a:t>Luis Junior</a:t>
             </a:r>
           </a:p>
           <a:p>
@@ -4205,10 +4188,10 @@
       </p:grpSpPr>
       <p:sp>
         <p:nvSpPr>
-          <p:cNvPr id="2" name="Espaço Reservado para Número de Slide 1">
-            <a:extLst>
-              <a:ext uri="{FF2B5EF4-FFF2-40B4-BE49-F238E27FC236}">
-                <a16:creationId xmlns:a16="http://schemas.microsoft.com/office/drawing/2014/main" id="{00A5C847-9B16-45BB-A00A-7493094466B1}"/>
+          <p:cNvPr id="4" name="Slide Number Placeholder 3">
+            <a:extLst>
+              <a:ext uri="{FF2B5EF4-FFF2-40B4-BE49-F238E27FC236}">
+                <a16:creationId xmlns:a16="http://schemas.microsoft.com/office/drawing/2014/main" id="{A53D3814-ACF1-48D1-A62B-658643C708E1}"/>
               </a:ext>
             </a:extLst>
           </p:cNvPr>
@@ -4227,6 +4210,65 @@
             <a:fld id="{47797270-BFBB-4212-9FDA-8EE01FE91F8C}" type="slidenum">
               <a:rPr lang="pt-BR" smtClean="0"/>
               <a:t>2</a:t>
+            </a:fld>
+            <a:endParaRPr lang="pt-BR"/>
+          </a:p>
+        </p:txBody>
+      </p:sp>
+    </p:spTree>
+    <p:extLst>
+      <p:ext uri="{BB962C8B-B14F-4D97-AF65-F5344CB8AC3E}">
+        <p14:creationId xmlns:p14="http://schemas.microsoft.com/office/powerpoint/2010/main" val="1272569558"/>
+      </p:ext>
+    </p:extLst>
+  </p:cSld>
+  <p:clrMapOvr>
+    <a:masterClrMapping/>
+  </p:clrMapOvr>
+</p:sld>
+</file>
+
+<file path=ppt/slides/slide3.xml><?xml version="1.0" encoding="utf-8"?>
+<p:sld xmlns:a="http://schemas.openxmlformats.org/drawingml/2006/main" xmlns:r="http://schemas.openxmlformats.org/officeDocument/2006/relationships" xmlns:p="http://schemas.openxmlformats.org/presentationml/2006/main">
+  <p:cSld>
+    <p:spTree>
+      <p:nvGrpSpPr>
+        <p:cNvPr id="1" name=""/>
+        <p:cNvGrpSpPr/>
+        <p:nvPr/>
+      </p:nvGrpSpPr>
+      <p:grpSpPr>
+        <a:xfrm>
+          <a:off x="0" y="0"/>
+          <a:ext cx="0" cy="0"/>
+          <a:chOff x="0" y="0"/>
+          <a:chExt cx="0" cy="0"/>
+        </a:xfrm>
+      </p:grpSpPr>
+      <p:sp>
+        <p:nvSpPr>
+          <p:cNvPr id="2" name="Espaço Reservado para Número de Slide 1">
+            <a:extLst>
+              <a:ext uri="{FF2B5EF4-FFF2-40B4-BE49-F238E27FC236}">
+                <a16:creationId xmlns:a16="http://schemas.microsoft.com/office/drawing/2014/main" id="{00A5C847-9B16-45BB-A00A-7493094466B1}"/>
+              </a:ext>
+            </a:extLst>
+          </p:cNvPr>
+          <p:cNvSpPr>
+            <a:spLocks noGrp="1"/>
+          </p:cNvSpPr>
+          <p:nvPr>
+            <p:ph type="sldNum" sz="quarter" idx="12"/>
+          </p:nvPr>
+        </p:nvSpPr>
+        <p:spPr/>
+        <p:txBody>
+          <a:bodyPr/>
+          <a:lstStyle/>
+          <a:p>
+            <a:fld id="{47797270-BFBB-4212-9FDA-8EE01FE91F8C}" type="slidenum">
+              <a:rPr lang="pt-BR" smtClean="0"/>
+              <a:t>3</a:t>
             </a:fld>
             <a:endParaRPr lang="pt-BR"/>
           </a:p>
@@ -4319,10 +4361,10 @@
       </p:pic>
       <p:sp>
         <p:nvSpPr>
-          <p:cNvPr id="5" name="TextBox 4">
-            <a:extLst>
-              <a:ext uri="{FF2B5EF4-FFF2-40B4-BE49-F238E27FC236}">
-                <a16:creationId xmlns:a16="http://schemas.microsoft.com/office/drawing/2014/main" id="{751BADB0-5D73-43E9-9ABB-321766D8AE39}"/>
+          <p:cNvPr id="3" name="TextBox 2">
+            <a:extLst>
+              <a:ext uri="{FF2B5EF4-FFF2-40B4-BE49-F238E27FC236}">
+                <a16:creationId xmlns:a16="http://schemas.microsoft.com/office/drawing/2014/main" id="{74DA363A-8FFB-4163-86A6-9AD56C784E38}"/>
               </a:ext>
             </a:extLst>
           </p:cNvPr>
@@ -4331,8 +4373,8 @@
         </p:nvSpPr>
         <p:spPr>
           <a:xfrm>
-            <a:off x="2238710" y="397401"/>
-            <a:ext cx="9310436" cy="1938992"/>
+            <a:off x="2125184" y="486677"/>
+            <a:ext cx="9544050" cy="4524315"/>
           </a:xfrm>
           <a:prstGeom prst="rect">
             <a:avLst/>
@@ -4348,297 +4390,101 @@
           </a:bodyPr>
           <a:lstStyle/>
           <a:p>
-            <a:pPr algn="l"/>
-            <a:r>
-              <a:rPr lang="en-US" sz="4000" dirty="0">
+            <a:pPr marL="285750" indent="-285750">
+              <a:buFont typeface="Arial" panose="020B0604020202020204" pitchFamily="34" charset="0"/>
+              <a:buChar char="•"/>
+            </a:pPr>
+            <a:r>
+              <a:rPr lang="pt-BR" sz="2400" dirty="0">
                 <a:cs typeface="Calibri"/>
               </a:rPr>
-              <a:t>Agenda</a:t>
-            </a:r>
-          </a:p>
-          <a:p>
-            <a:endParaRPr lang="en-US" sz="4000" dirty="0">
+              <a:t>Principal referência para papeis de arquiteto dentro de uma empresa: TOGAF</a:t>
+            </a:r>
+          </a:p>
+          <a:p>
+            <a:pPr marL="285750" indent="-285750">
+              <a:buFont typeface="Arial" panose="020B0604020202020204" pitchFamily="34" charset="0"/>
+              <a:buChar char="•"/>
+            </a:pPr>
+            <a:endParaRPr lang="pt-BR" sz="2400" dirty="0">
               <a:cs typeface="Calibri"/>
             </a:endParaRPr>
           </a:p>
           <a:p>
-            <a:endParaRPr lang="en-US" sz="4000" dirty="0">
+            <a:pPr marL="800100" lvl="1" indent="-342900">
+              <a:buFont typeface="Courier New" panose="02070309020205020404" pitchFamily="49" charset="0"/>
+              <a:buChar char="o"/>
+            </a:pPr>
+            <a:r>
+              <a:rPr lang="pt-BR" sz="2400" dirty="0">
+                <a:cs typeface="Calibri"/>
+              </a:rPr>
+              <a:t>Vale lembrar que o TOGAF v7 tratava apenas da vertente de Infraestrutura, a partir da v8 passou a abranger também Arquitetura Corportiva.</a:t>
+            </a:r>
+          </a:p>
+          <a:p>
+            <a:pPr marL="742950" lvl="1" indent="-285750">
+              <a:buFont typeface="Arial" panose="020B0604020202020204" pitchFamily="34" charset="0"/>
+              <a:buChar char="•"/>
+            </a:pPr>
+            <a:endParaRPr lang="pt-BR" sz="2400" dirty="0">
               <a:cs typeface="Calibri"/>
             </a:endParaRPr>
+          </a:p>
+          <a:p>
+            <a:pPr marL="800100" lvl="1" indent="-342900">
+              <a:buFont typeface="Courier New" panose="02070309020205020404" pitchFamily="49" charset="0"/>
+              <a:buChar char="o"/>
+            </a:pPr>
+            <a:r>
+              <a:rPr lang="pt-BR" sz="2400" dirty="0">
+                <a:cs typeface="Calibri"/>
+              </a:rPr>
+              <a:t>4 Dóminios da Arquitetura Corporativa: BDAT </a:t>
+            </a:r>
+          </a:p>
+          <a:p>
+            <a:pPr lvl="2"/>
+            <a:r>
+              <a:rPr lang="pt-BR" sz="2400" dirty="0">
+                <a:cs typeface="Calibri"/>
+              </a:rPr>
+              <a:t>B – Business;</a:t>
+            </a:r>
+          </a:p>
+          <a:p>
+            <a:pPr lvl="2"/>
+            <a:r>
+              <a:rPr lang="pt-BR" sz="2400" dirty="0">
+                <a:cs typeface="Calibri"/>
+              </a:rPr>
+              <a:t>D – Data;</a:t>
+            </a:r>
+          </a:p>
+          <a:p>
+            <a:pPr lvl="2"/>
+            <a:r>
+              <a:rPr lang="pt-BR" sz="2400" dirty="0">
+                <a:cs typeface="Calibri"/>
+              </a:rPr>
+              <a:t>A – Application;</a:t>
+            </a:r>
+          </a:p>
+          <a:p>
+            <a:pPr lvl="2"/>
+            <a:r>
+              <a:rPr lang="pt-BR" sz="2400" dirty="0">
+                <a:cs typeface="Calibri"/>
+              </a:rPr>
+              <a:t>T – Technology (Infraestrutura).</a:t>
+            </a:r>
           </a:p>
         </p:txBody>
       </p:sp>
     </p:spTree>
     <p:extLst>
       <p:ext uri="{BB962C8B-B14F-4D97-AF65-F5344CB8AC3E}">
-        <p14:creationId xmlns:p14="http://schemas.microsoft.com/office/powerpoint/2010/main" val="2117840401"/>
-      </p:ext>
-    </p:extLst>
-  </p:cSld>
-  <p:clrMapOvr>
-    <a:masterClrMapping/>
-  </p:clrMapOvr>
-</p:sld>
-</file>
-
-<file path=ppt/slides/slide3.xml><?xml version="1.0" encoding="utf-8"?>
-<p:sld xmlns:a="http://schemas.openxmlformats.org/drawingml/2006/main" xmlns:r="http://schemas.openxmlformats.org/officeDocument/2006/relationships" xmlns:p="http://schemas.openxmlformats.org/presentationml/2006/main" showMasterSp="0">
-  <p:cSld>
-    <p:bg>
-      <p:bgPr>
-        <a:solidFill>
-          <a:srgbClr val="FFFFFF"/>
-        </a:solidFill>
-        <a:effectLst/>
-      </p:bgPr>
-    </p:bg>
-    <p:spTree>
-      <p:nvGrpSpPr>
-        <p:cNvPr id="1" name=""/>
-        <p:cNvGrpSpPr/>
-        <p:nvPr/>
-      </p:nvGrpSpPr>
-      <p:grpSpPr>
-        <a:xfrm>
-          <a:off x="0" y="0"/>
-          <a:ext cx="0" cy="0"/>
-          <a:chOff x="0" y="0"/>
-          <a:chExt cx="0" cy="0"/>
-        </a:xfrm>
-      </p:grpSpPr>
-      <p:sp>
-        <p:nvSpPr>
-          <p:cNvPr id="2" name="Espaço Reservado para Número de Slide 1">
-            <a:extLst>
-              <a:ext uri="{FF2B5EF4-FFF2-40B4-BE49-F238E27FC236}">
-                <a16:creationId xmlns:a16="http://schemas.microsoft.com/office/drawing/2014/main" id="{6E1A929D-5FE0-4A7D-A0BB-DC9C5376DB3F}"/>
-              </a:ext>
-            </a:extLst>
-          </p:cNvPr>
-          <p:cNvSpPr>
-            <a:spLocks noGrp="1"/>
-          </p:cNvSpPr>
-          <p:nvPr>
-            <p:ph type="sldNum" sz="quarter" idx="12"/>
-          </p:nvPr>
-        </p:nvSpPr>
-        <p:spPr/>
-        <p:txBody>
-          <a:bodyPr/>
-          <a:lstStyle/>
-          <a:p>
-            <a:fld id="{47797270-BFBB-4212-9FDA-8EE01FE91F8C}" type="slidenum">
-              <a:rPr lang="pt-BR" smtClean="0"/>
-              <a:t>3</a:t>
-            </a:fld>
-            <a:endParaRPr lang="pt-BR"/>
-          </a:p>
-        </p:txBody>
-      </p:sp>
-      <p:pic>
-        <p:nvPicPr>
-          <p:cNvPr id="4" name="Imagem 3">
-            <a:extLst>
-              <a:ext uri="{FF2B5EF4-FFF2-40B4-BE49-F238E27FC236}">
-                <a16:creationId xmlns:a16="http://schemas.microsoft.com/office/drawing/2014/main" id="{35BC3DB4-D932-4BA3-B170-0AAAD44F2848}"/>
-              </a:ext>
-            </a:extLst>
-          </p:cNvPr>
-          <p:cNvPicPr>
-            <a:picLocks/>
-          </p:cNvPicPr>
-          <p:nvPr>
-            <p:custDataLst>
-              <p:tags r:id="rId2"/>
-            </p:custDataLst>
-          </p:nvPr>
-        </p:nvPicPr>
-        <p:blipFill>
-          <a:blip r:embed="rId6" cstate="print">
-            <a:extLst>
-              <a:ext uri="{28A0092B-C50C-407E-A947-70E740481C1C}">
-                <a14:useLocalDpi xmlns:a14="http://schemas.microsoft.com/office/drawing/2010/main" val="0"/>
-              </a:ext>
-            </a:extLst>
-          </a:blip>
-          <a:stretch>
-            <a:fillRect/>
-          </a:stretch>
-        </p:blipFill>
-        <p:spPr>
-          <a:xfrm>
-            <a:off x="5486400" y="602187"/>
-            <a:ext cx="1219200" cy="510126"/>
-          </a:xfrm>
-          <a:prstGeom prst="rect">
-            <a:avLst/>
-          </a:prstGeom>
-        </p:spPr>
-      </p:pic>
-      <p:sp>
-        <p:nvSpPr>
-          <p:cNvPr id="5" name="Retângulo 4">
-            <a:extLst>
-              <a:ext uri="{FF2B5EF4-FFF2-40B4-BE49-F238E27FC236}">
-                <a16:creationId xmlns:a16="http://schemas.microsoft.com/office/drawing/2014/main" id="{4762E99F-7B3C-4A51-9583-2665CA5ED467}"/>
-              </a:ext>
-            </a:extLst>
-          </p:cNvPr>
-          <p:cNvSpPr/>
-          <p:nvPr>
-            <p:custDataLst>
-              <p:tags r:id="rId3"/>
-            </p:custDataLst>
-          </p:nvPr>
-        </p:nvSpPr>
-        <p:spPr>
-          <a:xfrm>
-            <a:off x="0" y="1714500"/>
-            <a:ext cx="12192000" cy="3429000"/>
-          </a:xfrm>
-          <a:prstGeom prst="rect">
-            <a:avLst/>
-          </a:prstGeom>
-          <a:solidFill>
-            <a:srgbClr val="FFFFFF"/>
-          </a:solidFill>
-          <a:ln>
-            <a:solidFill>
-              <a:srgbClr val="FFFFFF"/>
-            </a:solidFill>
-          </a:ln>
-        </p:spPr>
-        <p:style>
-          <a:lnRef idx="2">
-            <a:schemeClr val="accent1">
-              <a:shade val="50000"/>
-            </a:schemeClr>
-          </a:lnRef>
-          <a:fillRef idx="1">
-            <a:schemeClr val="accent1"/>
-          </a:fillRef>
-          <a:effectRef idx="0">
-            <a:schemeClr val="accent1"/>
-          </a:effectRef>
-          <a:fontRef idx="minor">
-            <a:schemeClr val="lt1"/>
-          </a:fontRef>
-        </p:style>
-        <p:txBody>
-          <a:bodyPr rtlCol="0" anchor="ctr"/>
-          <a:lstStyle/>
-          <a:p>
-            <a:pPr algn="ctr"/>
-            <a:r>
-              <a:rPr lang="pt-BR" sz="3600">
-                <a:solidFill>
-                  <a:srgbClr val="424242"/>
-                </a:solidFill>
-              </a:rPr>
-              <a:t>qual cerveja vc mais gosta?</a:t>
-            </a:r>
-          </a:p>
-        </p:txBody>
-      </p:sp>
-      <p:sp>
-        <p:nvSpPr>
-          <p:cNvPr id="6" name="Retângulo 5">
-            <a:extLst>
-              <a:ext uri="{FF2B5EF4-FFF2-40B4-BE49-F238E27FC236}">
-                <a16:creationId xmlns:a16="http://schemas.microsoft.com/office/drawing/2014/main" id="{FF296870-996F-46A9-8DAA-81EF6D7F2E53}"/>
-              </a:ext>
-            </a:extLst>
-          </p:cNvPr>
-          <p:cNvSpPr/>
-          <p:nvPr>
-            <p:custDataLst>
-              <p:tags r:id="rId4"/>
-            </p:custDataLst>
-          </p:nvPr>
-        </p:nvSpPr>
-        <p:spPr>
-          <a:xfrm>
-            <a:off x="0" y="5143500"/>
-            <a:ext cx="12192000" cy="1714500"/>
-          </a:xfrm>
-          <a:prstGeom prst="rect">
-            <a:avLst/>
-          </a:prstGeom>
-          <a:solidFill>
-            <a:srgbClr val="FFFFFF"/>
-          </a:solidFill>
-          <a:ln w="12700" cap="flat" cmpd="sng" algn="ctr">
-            <a:noFill/>
-            <a:prstDash val="solid"/>
-            <a:miter lim="800000"/>
-          </a:ln>
-          <a:effectLst/>
-          <a:extLst>
-            <a:ext uri="{91240B29-F687-4F45-9708-019B960494DF}">
-              <a14:hiddenLine xmlns:a14="http://schemas.microsoft.com/office/drawing/2010/main" w="12700" cap="flat" cmpd="sng" algn="ctr">
-                <a:solidFill>
-                  <a:schemeClr val="accent1">
-                    <a:shade val="50000"/>
-                  </a:schemeClr>
-                </a:solidFill>
-                <a:prstDash val="solid"/>
-                <a:miter lim="800000"/>
-              </a14:hiddenLine>
-            </a:ext>
-          </a:extLst>
-        </p:spPr>
-        <p:style>
-          <a:lnRef idx="2">
-            <a:schemeClr val="accent1">
-              <a:shade val="50000"/>
-            </a:schemeClr>
-          </a:lnRef>
-          <a:fillRef idx="1">
-            <a:schemeClr val="accent1"/>
-          </a:fillRef>
-          <a:effectRef idx="0">
-            <a:schemeClr val="accent1"/>
-          </a:effectRef>
-          <a:fontRef idx="minor">
-            <a:schemeClr val="lt1"/>
-          </a:fontRef>
-        </p:style>
-        <p:txBody>
-          <a:bodyPr rtlCol="0" anchor="ctr"/>
-          <a:lstStyle/>
-          <a:p>
-            <a:pPr algn="ctr"/>
-            <a:r>
-              <a:rPr lang="en-US" sz="1300" b="1">
-                <a:solidFill>
-                  <a:srgbClr val="39AC37"/>
-                </a:solidFill>
-              </a:rPr>
-              <a:t>ⓘ</a:t>
-            </a:r>
-            <a:r>
-              <a:rPr lang="en-US" sz="1400">
-                <a:solidFill>
-                  <a:srgbClr val="424242"/>
-                </a:solidFill>
-              </a:rPr>
-              <a:t> Start presenting to display the poll results on this slide.</a:t>
-            </a:r>
-            <a:endParaRPr lang="pt-BR" sz="1400">
-              <a:solidFill>
-                <a:srgbClr val="424242"/>
-              </a:solidFill>
-            </a:endParaRPr>
-          </a:p>
-        </p:txBody>
-      </p:sp>
-    </p:spTree>
-    <p:custDataLst>
-      <p:tags r:id="rId1"/>
-    </p:custDataLst>
-    <p:extLst>
-      <p:ext uri="{BB962C8B-B14F-4D97-AF65-F5344CB8AC3E}">
-        <p14:creationId xmlns:p14="http://schemas.microsoft.com/office/powerpoint/2010/main" val="1050656626"/>
+        <p14:creationId xmlns:p14="http://schemas.microsoft.com/office/powerpoint/2010/main" val="3085343870"/>
       </p:ext>
     </p:extLst>
   </p:cSld>
@@ -4667,10 +4513,10 @@
       </p:grpSpPr>
       <p:sp>
         <p:nvSpPr>
-          <p:cNvPr id="2" name="Espaço Reservado para Número de Slide 1">
-            <a:extLst>
-              <a:ext uri="{FF2B5EF4-FFF2-40B4-BE49-F238E27FC236}">
-                <a16:creationId xmlns:a16="http://schemas.microsoft.com/office/drawing/2014/main" id="{00A5C847-9B16-45BB-A00A-7493094466B1}"/>
+          <p:cNvPr id="2" name="Slide Number Placeholder 1">
+            <a:extLst>
+              <a:ext uri="{FF2B5EF4-FFF2-40B4-BE49-F238E27FC236}">
+                <a16:creationId xmlns:a16="http://schemas.microsoft.com/office/drawing/2014/main" id="{6900386A-1CB4-4AA7-AFEE-1A95E5F224CE}"/>
               </a:ext>
             </a:extLst>
           </p:cNvPr>
@@ -4689,6 +4535,394 @@
             <a:fld id="{47797270-BFBB-4212-9FDA-8EE01FE91F8C}" type="slidenum">
               <a:rPr lang="pt-BR" smtClean="0"/>
               <a:t>4</a:t>
+            </a:fld>
+            <a:endParaRPr lang="pt-BR"/>
+          </a:p>
+        </p:txBody>
+      </p:sp>
+      <p:graphicFrame>
+        <p:nvGraphicFramePr>
+          <p:cNvPr id="3" name="Table 8">
+            <a:extLst>
+              <a:ext uri="{FF2B5EF4-FFF2-40B4-BE49-F238E27FC236}">
+                <a16:creationId xmlns:a16="http://schemas.microsoft.com/office/drawing/2014/main" id="{21FAE5A4-4338-4C71-8AB7-29FFDA70C54F}"/>
+              </a:ext>
+            </a:extLst>
+          </p:cNvPr>
+          <p:cNvGraphicFramePr>
+            <a:graphicFrameLocks noGrp="1"/>
+          </p:cNvGraphicFramePr>
+          <p:nvPr>
+            <p:extLst>
+              <p:ext uri="{D42A27DB-BD31-4B8C-83A1-F6EECF244321}">
+                <p14:modId xmlns:p14="http://schemas.microsoft.com/office/powerpoint/2010/main" val="2613840197"/>
+              </p:ext>
+            </p:extLst>
+          </p:nvPr>
+        </p:nvGraphicFramePr>
+        <p:xfrm>
+          <a:off x="788848" y="543865"/>
+          <a:ext cx="9193352" cy="2194560"/>
+        </p:xfrm>
+        <a:graphic>
+          <a:graphicData uri="http://schemas.openxmlformats.org/drawingml/2006/table">
+            <a:tbl>
+              <a:tblPr firstRow="1" bandRow="1">
+                <a:tableStyleId>{5C22544A-7EE6-4342-B048-85BDC9FD1C3A}</a:tableStyleId>
+              </a:tblPr>
+              <a:tblGrid>
+                <a:gridCol w="4596676">
+                  <a:extLst>
+                    <a:ext uri="{9D8B030D-6E8A-4147-A177-3AD203B41FA5}">
+                      <a16:colId xmlns:a16="http://schemas.microsoft.com/office/drawing/2014/main" val="3601456442"/>
+                    </a:ext>
+                  </a:extLst>
+                </a:gridCol>
+                <a:gridCol w="4596676">
+                  <a:extLst>
+                    <a:ext uri="{9D8B030D-6E8A-4147-A177-3AD203B41FA5}">
+                      <a16:colId xmlns:a16="http://schemas.microsoft.com/office/drawing/2014/main" val="3583577667"/>
+                    </a:ext>
+                  </a:extLst>
+                </a:gridCol>
+              </a:tblGrid>
+              <a:tr h="331918">
+                <a:tc>
+                  <a:txBody>
+                    <a:bodyPr/>
+                    <a:lstStyle/>
+                    <a:p>
+                      <a:r>
+                        <a:rPr lang="pt-BR" sz="2400" dirty="0"/>
+                        <a:t>Arquiteto “em projetos” de...</a:t>
+                      </a:r>
+                    </a:p>
+                  </a:txBody>
+                  <a:tcPr/>
+                </a:tc>
+                <a:tc>
+                  <a:txBody>
+                    <a:bodyPr/>
+                    <a:lstStyle/>
+                    <a:p>
+                      <a:r>
+                        <a:rPr lang="pt-BR" sz="2400" dirty="0"/>
+                        <a:t>Arquiteto “fora de projetos”</a:t>
+                      </a:r>
+                    </a:p>
+                  </a:txBody>
+                  <a:tcPr/>
+                </a:tc>
+                <a:extLst>
+                  <a:ext uri="{0D108BD9-81ED-4DB2-BD59-A6C34878D82A}">
+                    <a16:rowId xmlns:a16="http://schemas.microsoft.com/office/drawing/2014/main" val="2408866734"/>
+                  </a:ext>
+                </a:extLst>
+              </a:tr>
+              <a:tr h="331918">
+                <a:tc>
+                  <a:txBody>
+                    <a:bodyPr/>
+                    <a:lstStyle/>
+                    <a:p>
+                      <a:r>
+                        <a:rPr lang="pt-BR" sz="2400" dirty="0"/>
+                        <a:t>Software</a:t>
+                      </a:r>
+                    </a:p>
+                  </a:txBody>
+                  <a:tcPr/>
+                </a:tc>
+                <a:tc>
+                  <a:txBody>
+                    <a:bodyPr/>
+                    <a:lstStyle/>
+                    <a:p>
+                      <a:pPr marL="0" marR="0" lvl="0" indent="0" algn="l" defTabSz="914400" rtl="0" eaLnBrk="1" fontAlgn="auto" latinLnBrk="0" hangingPunct="1">
+                        <a:lnSpc>
+                          <a:spcPct val="100000"/>
+                        </a:lnSpc>
+                        <a:spcBef>
+                          <a:spcPts val="0"/>
+                        </a:spcBef>
+                        <a:spcAft>
+                          <a:spcPts val="0"/>
+                        </a:spcAft>
+                        <a:buClrTx/>
+                        <a:buSzTx/>
+                        <a:buFontTx/>
+                        <a:buNone/>
+                        <a:tabLst/>
+                        <a:defRPr/>
+                      </a:pPr>
+                      <a:r>
+                        <a:rPr lang="pt-BR" sz="2400" dirty="0"/>
+                        <a:t>TI (D + A + T)</a:t>
+                      </a:r>
+                    </a:p>
+                  </a:txBody>
+                  <a:tcPr/>
+                </a:tc>
+                <a:extLst>
+                  <a:ext uri="{0D108BD9-81ED-4DB2-BD59-A6C34878D82A}">
+                    <a16:rowId xmlns:a16="http://schemas.microsoft.com/office/drawing/2014/main" val="3468088518"/>
+                  </a:ext>
+                </a:extLst>
+              </a:tr>
+              <a:tr h="331918">
+                <a:tc>
+                  <a:txBody>
+                    <a:bodyPr/>
+                    <a:lstStyle/>
+                    <a:p>
+                      <a:r>
+                        <a:rPr lang="pt-BR" sz="2400" dirty="0"/>
+                        <a:t>Solução</a:t>
+                      </a:r>
+                    </a:p>
+                  </a:txBody>
+                  <a:tcPr/>
+                </a:tc>
+                <a:tc>
+                  <a:txBody>
+                    <a:bodyPr/>
+                    <a:lstStyle/>
+                    <a:p>
+                      <a:r>
+                        <a:rPr lang="pt-BR" sz="2400" dirty="0"/>
+                        <a:t>Negócios</a:t>
+                      </a:r>
+                    </a:p>
+                  </a:txBody>
+                  <a:tcPr/>
+                </a:tc>
+                <a:extLst>
+                  <a:ext uri="{0D108BD9-81ED-4DB2-BD59-A6C34878D82A}">
+                    <a16:rowId xmlns:a16="http://schemas.microsoft.com/office/drawing/2014/main" val="2686467118"/>
+                  </a:ext>
+                </a:extLst>
+              </a:tr>
+              <a:tr h="597452">
+                <a:tc>
+                  <a:txBody>
+                    <a:bodyPr/>
+                    <a:lstStyle/>
+                    <a:p>
+                      <a:endParaRPr lang="pt-BR" sz="2400" dirty="0"/>
+                    </a:p>
+                  </a:txBody>
+                  <a:tcPr/>
+                </a:tc>
+                <a:tc>
+                  <a:txBody>
+                    <a:bodyPr/>
+                    <a:lstStyle/>
+                    <a:p>
+                      <a:pPr marL="0" marR="0" lvl="0" indent="0" algn="l" defTabSz="914400" rtl="0" eaLnBrk="1" fontAlgn="auto" latinLnBrk="0" hangingPunct="1">
+                        <a:lnSpc>
+                          <a:spcPct val="100000"/>
+                        </a:lnSpc>
+                        <a:spcBef>
+                          <a:spcPts val="0"/>
+                        </a:spcBef>
+                        <a:spcAft>
+                          <a:spcPts val="0"/>
+                        </a:spcAft>
+                        <a:buClrTx/>
+                        <a:buSzTx/>
+                        <a:buFontTx/>
+                        <a:buNone/>
+                        <a:tabLst/>
+                        <a:defRPr/>
+                      </a:pPr>
+                      <a:r>
+                        <a:rPr lang="pt-BR" sz="2400" dirty="0"/>
+                        <a:t>Corporativo</a:t>
+                      </a:r>
+                    </a:p>
+                    <a:p>
+                      <a:endParaRPr lang="pt-BR" sz="2400" dirty="0"/>
+                    </a:p>
+                  </a:txBody>
+                  <a:tcPr/>
+                </a:tc>
+                <a:extLst>
+                  <a:ext uri="{0D108BD9-81ED-4DB2-BD59-A6C34878D82A}">
+                    <a16:rowId xmlns:a16="http://schemas.microsoft.com/office/drawing/2014/main" val="749845417"/>
+                  </a:ext>
+                </a:extLst>
+              </a:tr>
+            </a:tbl>
+          </a:graphicData>
+        </a:graphic>
+      </p:graphicFrame>
+      <p:sp>
+        <p:nvSpPr>
+          <p:cNvPr id="5" name="TextBox 4">
+            <a:extLst>
+              <a:ext uri="{FF2B5EF4-FFF2-40B4-BE49-F238E27FC236}">
+                <a16:creationId xmlns:a16="http://schemas.microsoft.com/office/drawing/2014/main" id="{8033B2A7-858A-43C6-B5E1-CC1888DC2414}"/>
+              </a:ext>
+            </a:extLst>
+          </p:cNvPr>
+          <p:cNvSpPr txBox="1"/>
+          <p:nvPr/>
+        </p:nvSpPr>
+        <p:spPr>
+          <a:xfrm>
+            <a:off x="788848" y="2928593"/>
+            <a:ext cx="10294398" cy="3046988"/>
+          </a:xfrm>
+          <a:prstGeom prst="rect">
+            <a:avLst/>
+          </a:prstGeom>
+          <a:noFill/>
+        </p:spPr>
+        <p:txBody>
+          <a:bodyPr wrap="square">
+            <a:spAutoFit/>
+          </a:bodyPr>
+          <a:lstStyle/>
+          <a:p>
+            <a:pPr marL="285750" indent="-285750">
+              <a:buFont typeface="Arial" panose="020B0604020202020204" pitchFamily="34" charset="0"/>
+              <a:buChar char="•"/>
+            </a:pPr>
+            <a:endParaRPr lang="pt-BR" sz="2400" dirty="0">
+              <a:cs typeface="Calibri"/>
+            </a:endParaRPr>
+          </a:p>
+          <a:p>
+            <a:pPr marL="285750" indent="-285750">
+              <a:buFont typeface="Arial" panose="020B0604020202020204" pitchFamily="34" charset="0"/>
+              <a:buChar char="•"/>
+            </a:pPr>
+            <a:r>
+              <a:rPr lang="pt-BR" sz="2400" dirty="0">
+                <a:cs typeface="Calibri"/>
+              </a:rPr>
+              <a:t>O TOGAF permite inovação gerenciada;</a:t>
+            </a:r>
+          </a:p>
+          <a:p>
+            <a:pPr marL="285750" indent="-285750">
+              <a:buFont typeface="Arial" panose="020B0604020202020204" pitchFamily="34" charset="0"/>
+              <a:buChar char="•"/>
+            </a:pPr>
+            <a:endParaRPr lang="pt-BR" sz="2400" dirty="0">
+              <a:cs typeface="Calibri"/>
+            </a:endParaRPr>
+          </a:p>
+          <a:p>
+            <a:pPr marL="285750" indent="-285750">
+              <a:buFont typeface="Arial" panose="020B0604020202020204" pitchFamily="34" charset="0"/>
+              <a:buChar char="•"/>
+            </a:pPr>
+            <a:r>
+              <a:rPr lang="pt-BR" sz="2400" dirty="0">
+                <a:cs typeface="Calibri"/>
+              </a:rPr>
+              <a:t>TOGAF não trata de Arquitetura de Software;</a:t>
+            </a:r>
+            <a:br>
+              <a:rPr lang="pt-BR" sz="2400" dirty="0">
+                <a:cs typeface="Calibri"/>
+              </a:rPr>
+            </a:br>
+            <a:endParaRPr lang="pt-BR" sz="2400" dirty="0">
+              <a:cs typeface="Calibri"/>
+            </a:endParaRPr>
+          </a:p>
+          <a:p>
+            <a:pPr marL="285750" indent="-285750">
+              <a:buFont typeface="Arial" panose="020B0604020202020204" pitchFamily="34" charset="0"/>
+              <a:buChar char="•"/>
+            </a:pPr>
+            <a:r>
+              <a:rPr lang="pt-BR" sz="2400" dirty="0">
+                <a:cs typeface="Calibri"/>
+              </a:rPr>
+              <a:t>O que não existe dentro da Arquitetura Corporativa:</a:t>
+            </a:r>
+          </a:p>
+          <a:p>
+            <a:r>
+              <a:rPr lang="pt-BR" sz="2400" dirty="0">
+                <a:cs typeface="Calibri"/>
+              </a:rPr>
+              <a:t>	Arquiteto júnior;</a:t>
+            </a:r>
+          </a:p>
+          <a:p>
+            <a:r>
+              <a:rPr lang="pt-BR" sz="2400" dirty="0">
+                <a:cs typeface="Calibri"/>
+              </a:rPr>
+              <a:t>	Arquiteto especialista. </a:t>
+            </a:r>
+            <a:r>
+              <a:rPr lang="pt-BR" sz="2400" u="sng" dirty="0">
+                <a:cs typeface="Calibri"/>
+              </a:rPr>
+              <a:t>TODO: Criar votação com o Slido!</a:t>
+            </a:r>
+          </a:p>
+        </p:txBody>
+      </p:sp>
+    </p:spTree>
+    <p:extLst>
+      <p:ext uri="{BB962C8B-B14F-4D97-AF65-F5344CB8AC3E}">
+        <p14:creationId xmlns:p14="http://schemas.microsoft.com/office/powerpoint/2010/main" val="542448592"/>
+      </p:ext>
+    </p:extLst>
+  </p:cSld>
+  <p:clrMapOvr>
+    <a:masterClrMapping/>
+  </p:clrMapOvr>
+</p:sld>
+</file>
+
+<file path=ppt/slides/slide5.xml><?xml version="1.0" encoding="utf-8"?>
+<p:sld xmlns:a="http://schemas.openxmlformats.org/drawingml/2006/main" xmlns:r="http://schemas.openxmlformats.org/officeDocument/2006/relationships" xmlns:p="http://schemas.openxmlformats.org/presentationml/2006/main">
+  <p:cSld>
+    <p:spTree>
+      <p:nvGrpSpPr>
+        <p:cNvPr id="1" name=""/>
+        <p:cNvGrpSpPr/>
+        <p:nvPr/>
+      </p:nvGrpSpPr>
+      <p:grpSpPr>
+        <a:xfrm>
+          <a:off x="0" y="0"/>
+          <a:ext cx="0" cy="0"/>
+          <a:chOff x="0" y="0"/>
+          <a:chExt cx="0" cy="0"/>
+        </a:xfrm>
+      </p:grpSpPr>
+      <p:sp>
+        <p:nvSpPr>
+          <p:cNvPr id="2" name="Espaço Reservado para Número de Slide 1">
+            <a:extLst>
+              <a:ext uri="{FF2B5EF4-FFF2-40B4-BE49-F238E27FC236}">
+                <a16:creationId xmlns:a16="http://schemas.microsoft.com/office/drawing/2014/main" id="{00A5C847-9B16-45BB-A00A-7493094466B1}"/>
+              </a:ext>
+            </a:extLst>
+          </p:cNvPr>
+          <p:cNvSpPr>
+            <a:spLocks noGrp="1"/>
+          </p:cNvSpPr>
+          <p:nvPr>
+            <p:ph type="sldNum" sz="quarter" idx="12"/>
+          </p:nvPr>
+        </p:nvSpPr>
+        <p:spPr/>
+        <p:txBody>
+          <a:bodyPr/>
+          <a:lstStyle/>
+          <a:p>
+            <a:fld id="{47797270-BFBB-4212-9FDA-8EE01FE91F8C}" type="slidenum">
+              <a:rPr lang="pt-BR" smtClean="0"/>
+              <a:t>5</a:t>
             </a:fld>
             <a:endParaRPr lang="pt-BR"/>
           </a:p>
@@ -4781,10 +5015,10 @@
       </p:pic>
       <p:sp>
         <p:nvSpPr>
-          <p:cNvPr id="5" name="TextBox 4">
-            <a:extLst>
-              <a:ext uri="{FF2B5EF4-FFF2-40B4-BE49-F238E27FC236}">
-                <a16:creationId xmlns:a16="http://schemas.microsoft.com/office/drawing/2014/main" id="{751BADB0-5D73-43E9-9ABB-321766D8AE39}"/>
+          <p:cNvPr id="3" name="TextBox 2">
+            <a:extLst>
+              <a:ext uri="{FF2B5EF4-FFF2-40B4-BE49-F238E27FC236}">
+                <a16:creationId xmlns:a16="http://schemas.microsoft.com/office/drawing/2014/main" id="{74DA363A-8FFB-4163-86A6-9AD56C784E38}"/>
               </a:ext>
             </a:extLst>
           </p:cNvPr>
@@ -4793,8 +5027,8 @@
         </p:nvSpPr>
         <p:spPr>
           <a:xfrm>
-            <a:off x="2238710" y="397401"/>
-            <a:ext cx="9310436" cy="1938992"/>
+            <a:off x="2089673" y="903927"/>
+            <a:ext cx="9544050" cy="3231654"/>
           </a:xfrm>
           <a:prstGeom prst="rect">
             <a:avLst/>
@@ -4810,21 +5044,107 @@
           </a:bodyPr>
           <a:lstStyle/>
           <a:p>
-            <a:pPr algn="l"/>
-            <a:r>
-              <a:rPr lang="en-US" sz="4000" dirty="0">
+            <a:r>
+              <a:rPr lang="pt-BR" sz="2400" dirty="0">
                 <a:cs typeface="Calibri"/>
               </a:rPr>
-              <a:t>Agenda</a:t>
-            </a:r>
-          </a:p>
-          <a:p>
-            <a:endParaRPr lang="en-US" sz="4000" dirty="0">
-              <a:cs typeface="Calibri"/>
-            </a:endParaRPr>
-          </a:p>
-          <a:p>
-            <a:endParaRPr lang="en-US" sz="4000" dirty="0">
+              <a:t>Um arquiteto precisa ser atender ao “CHA”:</a:t>
+            </a:r>
+          </a:p>
+          <a:p>
+            <a:pPr marL="800100" lvl="1" indent="-342900">
+              <a:buFont typeface="Arial" panose="020B0604020202020204" pitchFamily="34" charset="0"/>
+              <a:buChar char="•"/>
+            </a:pPr>
+            <a:r>
+              <a:rPr lang="pt-BR" sz="2400" dirty="0">
+                <a:cs typeface="Calibri"/>
+              </a:rPr>
+              <a:t>generalista;</a:t>
+            </a:r>
+          </a:p>
+          <a:p>
+            <a:pPr marL="800100" lvl="1" indent="-342900">
+              <a:buFont typeface="Arial" panose="020B0604020202020204" pitchFamily="34" charset="0"/>
+              <a:buChar char="•"/>
+            </a:pPr>
+            <a:r>
+              <a:rPr lang="pt-BR" sz="2400" dirty="0">
+                <a:cs typeface="Calibri"/>
+              </a:rPr>
+              <a:t>visão sistemática / capacidade de abstração;</a:t>
+            </a:r>
+          </a:p>
+          <a:p>
+            <a:pPr marL="800100" lvl="1" indent="-342900">
+              <a:buFont typeface="Arial" panose="020B0604020202020204" pitchFamily="34" charset="0"/>
+              <a:buChar char="•"/>
+            </a:pPr>
+            <a:r>
+              <a:rPr lang="pt-BR" sz="2400" dirty="0">
+                <a:cs typeface="Calibri"/>
+              </a:rPr>
+              <a:t>visão de longo prazo + orientação a resultados;</a:t>
+            </a:r>
+          </a:p>
+          <a:p>
+            <a:pPr marL="800100" lvl="1" indent="-342900">
+              <a:buFont typeface="Arial" panose="020B0604020202020204" pitchFamily="34" charset="0"/>
+              <a:buChar char="•"/>
+            </a:pPr>
+            <a:r>
+              <a:rPr lang="pt-BR" sz="2400" dirty="0">
+                <a:cs typeface="Calibri"/>
+              </a:rPr>
+              <a:t>negociação e formação de consenso;</a:t>
+            </a:r>
+          </a:p>
+          <a:p>
+            <a:pPr marL="800100" lvl="1" indent="-342900">
+              <a:buFont typeface="Arial" panose="020B0604020202020204" pitchFamily="34" charset="0"/>
+              <a:buChar char="•"/>
+            </a:pPr>
+            <a:r>
+              <a:rPr lang="pt-BR" sz="2400" dirty="0">
+                <a:cs typeface="Calibri"/>
+              </a:rPr>
+              <a:t>ser poliglota (falar as línguas dos diversos </a:t>
+            </a:r>
+            <a:r>
+              <a:rPr lang="pt-BR" sz="2400" i="1" dirty="0">
+                <a:cs typeface="Calibri"/>
+              </a:rPr>
+              <a:t>stakeholders</a:t>
+            </a:r>
+            <a:r>
+              <a:rPr lang="pt-BR" sz="2400" dirty="0">
+                <a:cs typeface="Calibri"/>
+              </a:rPr>
+              <a:t>);</a:t>
+            </a:r>
+          </a:p>
+          <a:p>
+            <a:pPr marL="800100" lvl="1" indent="-342900">
+              <a:buFont typeface="Arial" panose="020B0604020202020204" pitchFamily="34" charset="0"/>
+              <a:buChar char="•"/>
+            </a:pPr>
+            <a:r>
+              <a:rPr lang="pt-BR" sz="2400" dirty="0">
+                <a:cs typeface="Calibri"/>
+              </a:rPr>
+              <a:t>capacidade de análise de trade-offs.</a:t>
+            </a:r>
+            <a:br>
+              <a:rPr lang="pt-BR" sz="2400" dirty="0">
+                <a:cs typeface="Calibri"/>
+              </a:rPr>
+            </a:br>
+            <a:br>
+              <a:rPr lang="pt-BR" dirty="0">
+                <a:cs typeface="Calibri"/>
+              </a:rPr>
+            </a:br>
+            <a:endParaRPr lang="pt-BR" dirty="0">
               <a:cs typeface="Calibri"/>
             </a:endParaRPr>
           </a:p>
@@ -4833,7 +5153,7 @@
     </p:spTree>
     <p:extLst>
       <p:ext uri="{BB962C8B-B14F-4D97-AF65-F5344CB8AC3E}">
-        <p14:creationId xmlns:p14="http://schemas.microsoft.com/office/powerpoint/2010/main" val="3527364373"/>
+        <p14:creationId xmlns:p14="http://schemas.microsoft.com/office/powerpoint/2010/main" val="759003832"/>
       </p:ext>
     </p:extLst>
   </p:cSld>
@@ -4843,7 +5163,7 @@
 </p:sld>
 </file>
 
-<file path=ppt/slides/slide5.xml><?xml version="1.0" encoding="utf-8"?>
+<file path=ppt/slides/slide6.xml><?xml version="1.0" encoding="utf-8"?>
 <p:sld xmlns:a="http://schemas.openxmlformats.org/drawingml/2006/main" xmlns:r="http://schemas.openxmlformats.org/officeDocument/2006/relationships" xmlns:p="http://schemas.openxmlformats.org/presentationml/2006/main">
   <p:cSld>
     <p:spTree>
@@ -4883,7 +5203,7 @@
           <a:p>
             <a:fld id="{47797270-BFBB-4212-9FDA-8EE01FE91F8C}" type="slidenum">
               <a:rPr lang="pt-BR" smtClean="0"/>
-              <a:t>5</a:t>
+              <a:t>6</a:t>
             </a:fld>
             <a:endParaRPr lang="pt-BR"/>
           </a:p>
@@ -5006,20 +5326,21 @@
           <a:lstStyle/>
           <a:p>
             <a:r>
-              <a:rPr lang="en-US" sz="4000">
+              <a:rPr lang="pt-BR" sz="4000" dirty="0">
                 <a:cs typeface="Calibri"/>
               </a:rPr>
-              <a:t>1 - Motivador</a:t>
-            </a:r>
-          </a:p>
-        </p:txBody>
-      </p:sp>
-      <p:sp>
-        <p:nvSpPr>
-          <p:cNvPr id="3" name="TextBox 2">
-            <a:extLst>
-              <a:ext uri="{FF2B5EF4-FFF2-40B4-BE49-F238E27FC236}">
-                <a16:creationId xmlns:a16="http://schemas.microsoft.com/office/drawing/2014/main" id="{74DA363A-8FFB-4163-86A6-9AD56C784E38}"/>
+              <a:t>Referências</a:t>
+            </a:r>
+            <a:endParaRPr lang="pt-BR" dirty="0"/>
+          </a:p>
+        </p:txBody>
+      </p:sp>
+      <p:sp>
+        <p:nvSpPr>
+          <p:cNvPr id="6" name="TextBox 5">
+            <a:extLst>
+              <a:ext uri="{FF2B5EF4-FFF2-40B4-BE49-F238E27FC236}">
+                <a16:creationId xmlns:a16="http://schemas.microsoft.com/office/drawing/2014/main" id="{553D447B-6377-4757-977D-CB26B99C59EC}"/>
               </a:ext>
             </a:extLst>
           </p:cNvPr>
@@ -5028,8 +5349,8 @@
         </p:nvSpPr>
         <p:spPr>
           <a:xfrm>
-            <a:off x="2009775" y="1609725"/>
-            <a:ext cx="9544050" cy="2585323"/>
+            <a:off x="2167688" y="1576510"/>
+            <a:ext cx="8540951" cy="954107"/>
           </a:xfrm>
           <a:prstGeom prst="rect">
             <a:avLst/>
@@ -5045,1025 +5366,23 @@
           </a:bodyPr>
           <a:lstStyle/>
           <a:p>
-            <a:pPr marL="285750" indent="-285750">
-              <a:buFont typeface="Arial" panose="020B0604020202020204" pitchFamily="34" charset="0"/>
-              <a:buChar char="•"/>
-            </a:pPr>
-            <a:r>
-              <a:rPr lang="en-US" dirty="0" err="1"/>
-              <a:t>Pensando</a:t>
-            </a:r>
-            <a:r>
-              <a:rPr lang="en-US" dirty="0"/>
-              <a:t> </a:t>
-            </a:r>
-            <a:r>
-              <a:rPr lang="en-US" dirty="0" err="1"/>
-              <a:t>na</a:t>
-            </a:r>
-            <a:r>
-              <a:rPr lang="en-US" dirty="0"/>
-              <a:t> </a:t>
-            </a:r>
-            <a:r>
-              <a:rPr lang="en-US" dirty="0" err="1"/>
-              <a:t>viabilidade</a:t>
-            </a:r>
-            <a:r>
-              <a:rPr lang="en-US" dirty="0"/>
-              <a:t> do </a:t>
-            </a:r>
-            <a:r>
-              <a:rPr lang="en-US" dirty="0" err="1"/>
-              <a:t>uso</a:t>
-            </a:r>
-            <a:r>
-              <a:rPr lang="en-US" dirty="0"/>
-              <a:t> de </a:t>
-            </a:r>
-            <a:r>
-              <a:rPr lang="en-US" dirty="0" err="1"/>
-              <a:t>carros</a:t>
-            </a:r>
-            <a:r>
-              <a:rPr lang="en-US" dirty="0"/>
-              <a:t> </a:t>
-            </a:r>
-            <a:r>
-              <a:rPr lang="pt-BR" dirty="0"/>
-              <a:t>elétricos</a:t>
-            </a:r>
-            <a:r>
-              <a:rPr lang="en-US" dirty="0"/>
-              <a:t> </a:t>
-            </a:r>
-            <a:r>
-              <a:rPr lang="en-US" dirty="0" err="1"/>
-              <a:t>compartilhados</a:t>
-            </a:r>
-            <a:r>
-              <a:rPr lang="en-US" dirty="0"/>
-              <a:t>, </a:t>
-            </a:r>
-            <a:r>
-              <a:rPr lang="en-US" dirty="0" err="1"/>
-              <a:t>podemos</a:t>
-            </a:r>
-            <a:r>
-              <a:rPr lang="en-US" dirty="0"/>
-              <a:t> </a:t>
-            </a:r>
-            <a:r>
-              <a:rPr lang="en-US" dirty="0" err="1"/>
-              <a:t>atingir</a:t>
-            </a:r>
-            <a:r>
-              <a:rPr lang="en-US" dirty="0"/>
-              <a:t> </a:t>
-            </a:r>
-            <a:r>
-              <a:rPr lang="en-US" dirty="0" err="1"/>
-              <a:t>diversos</a:t>
-            </a:r>
-            <a:r>
-              <a:rPr lang="en-US" dirty="0"/>
-              <a:t> </a:t>
-            </a:r>
-            <a:r>
-              <a:rPr lang="en-US" dirty="0" err="1"/>
-              <a:t>pontos</a:t>
-            </a:r>
-            <a:r>
-              <a:rPr lang="en-US" dirty="0"/>
-              <a:t> que </a:t>
-            </a:r>
-            <a:r>
-              <a:rPr lang="en-US" dirty="0" err="1"/>
-              <a:t>hoje</a:t>
-            </a:r>
-            <a:r>
-              <a:rPr lang="en-US" dirty="0"/>
-              <a:t> </a:t>
-            </a:r>
-            <a:r>
-              <a:rPr lang="en-US" dirty="0" err="1"/>
-              <a:t>representam</a:t>
-            </a:r>
-            <a:r>
-              <a:rPr lang="en-US" dirty="0"/>
-              <a:t> um </a:t>
-            </a:r>
-            <a:r>
-              <a:rPr lang="en-US" dirty="0" err="1"/>
-              <a:t>grande</a:t>
-            </a:r>
-            <a:r>
-              <a:rPr lang="en-US" dirty="0"/>
-              <a:t> </a:t>
-            </a:r>
-            <a:r>
-              <a:rPr lang="en-US" dirty="0" err="1"/>
-              <a:t>desafio</a:t>
-            </a:r>
-            <a:r>
-              <a:rPr lang="en-US" dirty="0"/>
-              <a:t> de </a:t>
-            </a:r>
-            <a:r>
-              <a:rPr lang="en-US" dirty="0" err="1"/>
-              <a:t>mobilidade</a:t>
-            </a:r>
-            <a:r>
-              <a:rPr lang="en-US" dirty="0"/>
-              <a:t> e </a:t>
-            </a:r>
-            <a:r>
-              <a:rPr lang="en-US" dirty="0" err="1"/>
-              <a:t>despesas</a:t>
-            </a:r>
-            <a:r>
-              <a:rPr lang="en-US" dirty="0"/>
-              <a:t> </a:t>
-            </a:r>
-            <a:r>
-              <a:rPr lang="en-US" dirty="0" err="1"/>
-              <a:t>modelo</a:t>
-            </a:r>
-            <a:r>
-              <a:rPr lang="en-US" dirty="0"/>
-              <a:t> </a:t>
-            </a:r>
-            <a:r>
-              <a:rPr lang="en-US" dirty="0" err="1"/>
-              <a:t>Kpex</a:t>
-            </a:r>
-            <a:r>
-              <a:rPr lang="en-US" dirty="0"/>
-              <a:t> (a </a:t>
-            </a:r>
-            <a:r>
-              <a:rPr lang="en-US" dirty="0" err="1"/>
-              <a:t>compra</a:t>
-            </a:r>
-            <a:r>
-              <a:rPr lang="en-US" dirty="0"/>
-              <a:t> do </a:t>
-            </a:r>
-            <a:r>
-              <a:rPr lang="en-US" dirty="0" err="1"/>
-              <a:t>carro</a:t>
-            </a:r>
-            <a:r>
-              <a:rPr lang="en-US" dirty="0"/>
-              <a:t>) e </a:t>
-            </a:r>
-            <a:r>
-              <a:rPr lang="en-US" dirty="0" err="1"/>
-              <a:t>Opex</a:t>
-            </a:r>
-            <a:r>
-              <a:rPr lang="en-US" dirty="0"/>
-              <a:t> (</a:t>
-            </a:r>
-            <a:r>
-              <a:rPr lang="en-US" dirty="0" err="1"/>
-              <a:t>todo</a:t>
-            </a:r>
-            <a:r>
-              <a:rPr lang="en-US" dirty="0"/>
-              <a:t> o </a:t>
-            </a:r>
-            <a:r>
-              <a:rPr lang="en-US" dirty="0" err="1"/>
-              <a:t>custo</a:t>
-            </a:r>
-            <a:r>
-              <a:rPr lang="en-US" dirty="0"/>
-              <a:t> para se </a:t>
-            </a:r>
-            <a:r>
-              <a:rPr lang="en-US" dirty="0" err="1"/>
-              <a:t>ter</a:t>
-            </a:r>
-            <a:r>
-              <a:rPr lang="en-US" dirty="0"/>
-              <a:t> um </a:t>
-            </a:r>
-            <a:r>
-              <a:rPr lang="en-US" dirty="0" err="1"/>
-              <a:t>carro</a:t>
-            </a:r>
-            <a:r>
-              <a:rPr lang="en-US" dirty="0"/>
-              <a:t> que é </a:t>
-            </a:r>
-            <a:r>
-              <a:rPr lang="en-US" dirty="0" err="1"/>
-              <a:t>diluido</a:t>
-            </a:r>
-            <a:r>
-              <a:rPr lang="en-US" dirty="0"/>
-              <a:t> com </a:t>
-            </a:r>
-            <a:r>
-              <a:rPr lang="en-US" dirty="0" err="1"/>
-              <a:t>despesas</a:t>
-            </a:r>
-            <a:r>
-              <a:rPr lang="en-US" dirty="0"/>
-              <a:t> </a:t>
-            </a:r>
-            <a:r>
-              <a:rPr lang="en-US" dirty="0" err="1"/>
-              <a:t>mensais</a:t>
-            </a:r>
-            <a:r>
-              <a:rPr lang="en-US" dirty="0"/>
-              <a:t>) - e </a:t>
-            </a:r>
-            <a:r>
-              <a:rPr lang="en-US" dirty="0" err="1"/>
-              <a:t>totalmente</a:t>
-            </a:r>
-            <a:r>
-              <a:rPr lang="en-US" dirty="0"/>
-              <a:t> </a:t>
-            </a:r>
-            <a:r>
-              <a:rPr lang="en-US" dirty="0" err="1"/>
-              <a:t>alinhado</a:t>
-            </a:r>
-            <a:r>
-              <a:rPr lang="en-US" dirty="0"/>
-              <a:t> a </a:t>
-            </a:r>
-            <a:r>
-              <a:rPr lang="en-US" dirty="0" err="1"/>
-              <a:t>preocupações</a:t>
-            </a:r>
-            <a:r>
-              <a:rPr lang="en-US" dirty="0"/>
-              <a:t> de </a:t>
-            </a:r>
-            <a:r>
-              <a:rPr lang="en-US" dirty="0" err="1"/>
-              <a:t>sustentabilidade</a:t>
-            </a:r>
-            <a:r>
-              <a:rPr lang="en-US" dirty="0"/>
-              <a:t>;</a:t>
-            </a:r>
-            <a:endParaRPr lang="en-US" dirty="0">
-              <a:cs typeface="Calibri" panose="020F0502020204030204"/>
-            </a:endParaRPr>
-          </a:p>
-          <a:p>
-            <a:pPr marL="285750" indent="-285750">
-              <a:buFont typeface="Arial" panose="020B0604020202020204" pitchFamily="34" charset="0"/>
-              <a:buChar char="•"/>
-            </a:pPr>
-            <a:endParaRPr lang="pt-BR" dirty="0">
-              <a:cs typeface="Calibri" panose="020F0502020204030204"/>
-            </a:endParaRPr>
-          </a:p>
-          <a:p>
-            <a:pPr marL="285750" indent="-285750">
-              <a:buFont typeface="Arial" panose="020B0604020202020204" pitchFamily="34" charset="0"/>
-              <a:buChar char="•"/>
-            </a:pPr>
-            <a:r>
-              <a:rPr lang="en-US" dirty="0" err="1">
-                <a:cs typeface="Calibri"/>
-              </a:rPr>
-              <a:t>Diminuir</a:t>
-            </a:r>
-            <a:r>
-              <a:rPr lang="en-US" dirty="0">
-                <a:cs typeface="Calibri"/>
-              </a:rPr>
-              <a:t> a </a:t>
-            </a:r>
-            <a:r>
-              <a:rPr lang="en-US" dirty="0" err="1">
-                <a:cs typeface="Calibri"/>
-              </a:rPr>
-              <a:t>quantidade</a:t>
-            </a:r>
-            <a:r>
-              <a:rPr lang="en-US" dirty="0">
-                <a:cs typeface="Calibri"/>
-              </a:rPr>
-              <a:t> de </a:t>
-            </a:r>
-            <a:r>
-              <a:rPr lang="en-US" dirty="0" err="1">
-                <a:cs typeface="Calibri"/>
-              </a:rPr>
-              <a:t>carros</a:t>
-            </a:r>
-            <a:r>
-              <a:rPr lang="en-US" dirty="0">
-                <a:cs typeface="Calibri"/>
-              </a:rPr>
-              <a:t> </a:t>
-            </a:r>
-            <a:r>
-              <a:rPr lang="en-US" dirty="0" err="1">
-                <a:cs typeface="Calibri"/>
-              </a:rPr>
-              <a:t>na</a:t>
-            </a:r>
-            <a:r>
-              <a:rPr lang="en-US" dirty="0">
-                <a:cs typeface="Calibri"/>
-              </a:rPr>
-              <a:t> </a:t>
-            </a:r>
-            <a:r>
-              <a:rPr lang="en-US" dirty="0" err="1">
-                <a:cs typeface="Calibri"/>
-              </a:rPr>
-              <a:t>rua</a:t>
-            </a:r>
-            <a:r>
-              <a:rPr lang="en-US" dirty="0">
-                <a:cs typeface="Calibri"/>
-              </a:rPr>
-              <a:t>;</a:t>
-            </a:r>
-          </a:p>
-          <a:p>
-            <a:pPr marL="285750" indent="-285750">
-              <a:buFont typeface="Arial" panose="020B0604020202020204" pitchFamily="34" charset="0"/>
-              <a:buChar char="•"/>
-            </a:pPr>
-            <a:endParaRPr lang="en-US" dirty="0">
+            <a:r>
+              <a:rPr lang="pt-BR" sz="2800" dirty="0"/>
+              <a:t>Webinar – Quem é esse tal de Arquiteto?</a:t>
+            </a:r>
+            <a:endParaRPr lang="en-US" sz="2800" dirty="0">
               <a:cs typeface="Calibri"/>
             </a:endParaRPr>
           </a:p>
           <a:p>
-            <a:pPr marL="285750" indent="-285750">
-              <a:buFont typeface="Arial" panose="020B0604020202020204" pitchFamily="34" charset="0"/>
-              <a:buChar char="•"/>
-            </a:pPr>
-            <a:r>
-              <a:rPr lang="en-US" dirty="0" err="1">
+            <a:r>
+              <a:rPr lang="en-US" sz="2800" dirty="0">
                 <a:cs typeface="Calibri"/>
+                <a:hlinkClick r:id="rId3"/>
               </a:rPr>
-              <a:t>Nossa</a:t>
-            </a:r>
-            <a:r>
-              <a:rPr lang="en-US" dirty="0">
-                <a:cs typeface="Calibri"/>
-              </a:rPr>
-              <a:t> </a:t>
-            </a:r>
-            <a:r>
-              <a:rPr lang="en-US" dirty="0" err="1">
-                <a:cs typeface="Calibri"/>
-              </a:rPr>
-              <a:t>prioridade</a:t>
-            </a:r>
-            <a:r>
-              <a:rPr lang="en-US" dirty="0">
-                <a:cs typeface="Calibri"/>
-              </a:rPr>
-              <a:t> </a:t>
-            </a:r>
-            <a:r>
-              <a:rPr lang="en-US" dirty="0" err="1">
-                <a:cs typeface="Calibri"/>
-              </a:rPr>
-              <a:t>será</a:t>
-            </a:r>
-            <a:r>
-              <a:rPr lang="en-US" dirty="0">
-                <a:cs typeface="Calibri"/>
-              </a:rPr>
-              <a:t> o </a:t>
-            </a:r>
-            <a:r>
-              <a:rPr lang="en-US" dirty="0" err="1">
-                <a:cs typeface="Calibri"/>
-              </a:rPr>
-              <a:t>consumo</a:t>
-            </a:r>
-            <a:r>
-              <a:rPr lang="en-US" dirty="0">
-                <a:cs typeface="Calibri"/>
-              </a:rPr>
-              <a:t> de </a:t>
-            </a:r>
-            <a:r>
-              <a:rPr lang="en-US" dirty="0" err="1">
-                <a:cs typeface="Calibri"/>
-              </a:rPr>
-              <a:t>energia</a:t>
-            </a:r>
-            <a:r>
-              <a:rPr lang="en-US" dirty="0">
-                <a:cs typeface="Calibri"/>
-              </a:rPr>
-              <a:t> de </a:t>
-            </a:r>
-            <a:r>
-              <a:rPr lang="en-US" dirty="0" err="1">
-                <a:cs typeface="Calibri"/>
-              </a:rPr>
-              <a:t>fonte</a:t>
-            </a:r>
-            <a:r>
-              <a:rPr lang="en-US" dirty="0">
-                <a:cs typeface="Calibri"/>
-              </a:rPr>
-              <a:t> </a:t>
-            </a:r>
-            <a:r>
-              <a:rPr lang="en-US" dirty="0" err="1">
-                <a:cs typeface="Calibri"/>
-              </a:rPr>
-              <a:t>renovável</a:t>
-            </a:r>
-            <a:r>
-              <a:rPr lang="en-US" dirty="0">
-                <a:cs typeface="Calibri"/>
-              </a:rPr>
-              <a:t> (</a:t>
-            </a:r>
-            <a:r>
-              <a:rPr lang="en-US" dirty="0" err="1">
-                <a:cs typeface="Calibri"/>
-              </a:rPr>
-              <a:t>possível</a:t>
-            </a:r>
-            <a:r>
-              <a:rPr lang="en-US" dirty="0">
-                <a:cs typeface="Calibri"/>
-              </a:rPr>
-              <a:t> </a:t>
-            </a:r>
-            <a:r>
-              <a:rPr lang="en-US" dirty="0" err="1">
-                <a:cs typeface="Calibri"/>
-              </a:rPr>
-              <a:t>parceria</a:t>
-            </a:r>
-            <a:r>
-              <a:rPr lang="en-US" dirty="0">
-                <a:cs typeface="Calibri"/>
-              </a:rPr>
-              <a:t> com </a:t>
-            </a:r>
-            <a:r>
-              <a:rPr lang="en-US" dirty="0" err="1">
-                <a:cs typeface="Calibri"/>
-              </a:rPr>
-              <a:t>usina</a:t>
-            </a:r>
-            <a:r>
-              <a:rPr lang="en-US" dirty="0">
-                <a:cs typeface="Calibri"/>
-              </a:rPr>
-              <a:t> de </a:t>
-            </a:r>
-            <a:r>
-              <a:rPr lang="en-US" dirty="0" err="1">
-                <a:cs typeface="Calibri"/>
-              </a:rPr>
-              <a:t>geração</a:t>
-            </a:r>
-            <a:r>
-              <a:rPr lang="en-US" dirty="0">
-                <a:cs typeface="Calibri"/>
-              </a:rPr>
-              <a:t> de </a:t>
-            </a:r>
-            <a:r>
-              <a:rPr lang="en-US" dirty="0" err="1">
-                <a:cs typeface="Calibri"/>
-              </a:rPr>
-              <a:t>enegia</a:t>
-            </a:r>
-            <a:r>
-              <a:rPr lang="en-US" dirty="0">
-                <a:cs typeface="Calibri"/>
-              </a:rPr>
-              <a:t> </a:t>
-            </a:r>
-            <a:r>
-              <a:rPr lang="en-US" dirty="0" err="1">
-                <a:cs typeface="Calibri"/>
-              </a:rPr>
-              <a:t>através</a:t>
-            </a:r>
-            <a:r>
-              <a:rPr lang="en-US" dirty="0">
-                <a:cs typeface="Calibri"/>
-              </a:rPr>
-              <a:t> de </a:t>
-            </a:r>
-            <a:r>
-              <a:rPr lang="en-US" dirty="0" err="1">
-                <a:cs typeface="Calibri"/>
-              </a:rPr>
-              <a:t>placas</a:t>
-            </a:r>
-            <a:r>
-              <a:rPr lang="en-US" dirty="0">
-                <a:cs typeface="Calibri"/>
-              </a:rPr>
-              <a:t> </a:t>
-            </a:r>
-            <a:r>
-              <a:rPr lang="en-US" dirty="0" err="1">
-                <a:cs typeface="Calibri"/>
-              </a:rPr>
-              <a:t>solares</a:t>
-            </a:r>
-            <a:r>
-              <a:rPr lang="en-US" dirty="0">
-                <a:cs typeface="Calibri"/>
-              </a:rPr>
-              <a:t> e </a:t>
-            </a:r>
-            <a:r>
-              <a:rPr lang="en-US" dirty="0" err="1">
-                <a:cs typeface="Calibri"/>
-              </a:rPr>
-              <a:t>eólica</a:t>
-            </a:r>
-            <a:r>
-              <a:rPr lang="en-US" dirty="0">
-                <a:cs typeface="Calibri"/>
-              </a:rPr>
-              <a:t>).</a:t>
-            </a:r>
-          </a:p>
-        </p:txBody>
-      </p:sp>
-    </p:spTree>
-    <p:extLst>
-      <p:ext uri="{BB962C8B-B14F-4D97-AF65-F5344CB8AC3E}">
-        <p14:creationId xmlns:p14="http://schemas.microsoft.com/office/powerpoint/2010/main" val="3085343870"/>
-      </p:ext>
-    </p:extLst>
-  </p:cSld>
-  <p:clrMapOvr>
-    <a:masterClrMapping/>
-  </p:clrMapOvr>
-</p:sld>
-</file>
-
-<file path=ppt/slides/slide6.xml><?xml version="1.0" encoding="utf-8"?>
-<p:sld xmlns:a="http://schemas.openxmlformats.org/drawingml/2006/main" xmlns:r="http://schemas.openxmlformats.org/officeDocument/2006/relationships" xmlns:p="http://schemas.openxmlformats.org/presentationml/2006/main">
-  <p:cSld>
-    <p:spTree>
-      <p:nvGrpSpPr>
-        <p:cNvPr id="1" name=""/>
-        <p:cNvGrpSpPr/>
-        <p:nvPr/>
-      </p:nvGrpSpPr>
-      <p:grpSpPr>
-        <a:xfrm>
-          <a:off x="0" y="0"/>
-          <a:ext cx="0" cy="0"/>
-          <a:chOff x="0" y="0"/>
-          <a:chExt cx="0" cy="0"/>
-        </a:xfrm>
-      </p:grpSpPr>
-      <p:sp>
-        <p:nvSpPr>
-          <p:cNvPr id="2" name="Espaço Reservado para Número de Slide 1">
-            <a:extLst>
-              <a:ext uri="{FF2B5EF4-FFF2-40B4-BE49-F238E27FC236}">
-                <a16:creationId xmlns:a16="http://schemas.microsoft.com/office/drawing/2014/main" id="{00A5C847-9B16-45BB-A00A-7493094466B1}"/>
-              </a:ext>
-            </a:extLst>
-          </p:cNvPr>
-          <p:cNvSpPr>
-            <a:spLocks noGrp="1"/>
-          </p:cNvSpPr>
-          <p:nvPr>
-            <p:ph type="sldNum" sz="quarter" idx="12"/>
-          </p:nvPr>
-        </p:nvSpPr>
-        <p:spPr/>
-        <p:txBody>
-          <a:bodyPr/>
-          <a:lstStyle/>
-          <a:p>
-            <a:fld id="{47797270-BFBB-4212-9FDA-8EE01FE91F8C}" type="slidenum">
-              <a:rPr lang="pt-BR" smtClean="0"/>
-              <a:t>6</a:t>
-            </a:fld>
-            <a:endParaRPr lang="pt-BR"/>
-          </a:p>
-        </p:txBody>
-      </p:sp>
-      <p:sp>
-        <p:nvSpPr>
-          <p:cNvPr id="7" name="Retângulo 6">
-            <a:extLst>
-              <a:ext uri="{FF2B5EF4-FFF2-40B4-BE49-F238E27FC236}">
-                <a16:creationId xmlns:a16="http://schemas.microsoft.com/office/drawing/2014/main" id="{C0911691-8E5D-4130-9DEF-B295AC8F85B1}"/>
-              </a:ext>
-            </a:extLst>
-          </p:cNvPr>
-          <p:cNvSpPr/>
-          <p:nvPr/>
-        </p:nvSpPr>
-        <p:spPr>
-          <a:xfrm>
-            <a:off x="-134911" y="0"/>
-            <a:ext cx="1758759" cy="6840036"/>
-          </a:xfrm>
-          <a:prstGeom prst="rect">
-            <a:avLst/>
-          </a:prstGeom>
-          <a:solidFill>
-            <a:srgbClr val="053566"/>
-          </a:solidFill>
-        </p:spPr>
-        <p:style>
-          <a:lnRef idx="2">
-            <a:schemeClr val="accent1">
-              <a:shade val="50000"/>
-            </a:schemeClr>
-          </a:lnRef>
-          <a:fillRef idx="1">
-            <a:schemeClr val="accent1"/>
-          </a:fillRef>
-          <a:effectRef idx="0">
-            <a:schemeClr val="accent1"/>
-          </a:effectRef>
-          <a:fontRef idx="minor">
-            <a:schemeClr val="lt1"/>
-          </a:fontRef>
-        </p:style>
-        <p:txBody>
-          <a:bodyPr rtlCol="0" anchor="ctr"/>
-          <a:lstStyle/>
-          <a:p>
-            <a:pPr algn="ctr"/>
-            <a:endParaRPr lang="pt-BR"/>
-          </a:p>
-        </p:txBody>
-      </p:sp>
-      <p:pic>
-        <p:nvPicPr>
-          <p:cNvPr id="4" name="Imagem 3" descr="Logotipo&#10;&#10;Descrição gerada automaticamente">
-            <a:extLst>
-              <a:ext uri="{FF2B5EF4-FFF2-40B4-BE49-F238E27FC236}">
-                <a16:creationId xmlns:a16="http://schemas.microsoft.com/office/drawing/2014/main" id="{A8415950-AE8E-45C0-A2E5-D9B394DF621D}"/>
-              </a:ext>
-            </a:extLst>
-          </p:cNvPr>
-          <p:cNvPicPr>
-            <a:picLocks noChangeAspect="1"/>
-          </p:cNvPicPr>
-          <p:nvPr/>
-        </p:nvPicPr>
-        <p:blipFill>
-          <a:blip r:embed="rId2" cstate="print">
-            <a:extLst>
-              <a:ext uri="{28A0092B-C50C-407E-A947-70E740481C1C}">
-                <a14:useLocalDpi xmlns:a14="http://schemas.microsoft.com/office/drawing/2010/main" val="0"/>
-              </a:ext>
-            </a:extLst>
-          </a:blip>
-          <a:stretch>
-            <a:fillRect/>
-          </a:stretch>
-        </p:blipFill>
-        <p:spPr>
-          <a:xfrm>
-            <a:off x="196516" y="205083"/>
-            <a:ext cx="1106542" cy="1096089"/>
-          </a:xfrm>
-          <a:prstGeom prst="rect">
-            <a:avLst/>
-          </a:prstGeom>
-        </p:spPr>
-      </p:pic>
-      <p:sp>
-        <p:nvSpPr>
-          <p:cNvPr id="5" name="TextBox 4">
-            <a:extLst>
-              <a:ext uri="{FF2B5EF4-FFF2-40B4-BE49-F238E27FC236}">
-                <a16:creationId xmlns:a16="http://schemas.microsoft.com/office/drawing/2014/main" id="{751BADB0-5D73-43E9-9ABB-321766D8AE39}"/>
-              </a:ext>
-            </a:extLst>
-          </p:cNvPr>
-          <p:cNvSpPr txBox="1"/>
-          <p:nvPr/>
-        </p:nvSpPr>
-        <p:spPr>
-          <a:xfrm>
-            <a:off x="2167689" y="483268"/>
-            <a:ext cx="9310436" cy="707886"/>
-          </a:xfrm>
-          <a:prstGeom prst="rect">
-            <a:avLst/>
-          </a:prstGeom>
-          <a:noFill/>
-        </p:spPr>
-        <p:txBody>
-          <a:bodyPr rot="0" spcFirstLastPara="0" vertOverflow="overflow" horzOverflow="overflow" vert="horz" wrap="square" lIns="91440" tIns="45720" rIns="91440" bIns="45720" numCol="1" spcCol="0" rtlCol="0" fromWordArt="0" anchor="t" anchorCtr="0" forceAA="0" compatLnSpc="1">
-            <a:prstTxWarp prst="textNoShape">
-              <a:avLst/>
-            </a:prstTxWarp>
-            <a:spAutoFit/>
-          </a:bodyPr>
-          <a:lstStyle/>
-          <a:p>
-            <a:r>
-              <a:rPr lang="en-US" sz="4000" dirty="0">
-                <a:ea typeface="+mn-lt"/>
-                <a:cs typeface="+mn-lt"/>
-              </a:rPr>
-              <a:t>6 - </a:t>
-            </a:r>
-            <a:r>
-              <a:rPr lang="en-US" sz="4000" dirty="0" err="1">
-                <a:ea typeface="+mn-lt"/>
-                <a:cs typeface="+mn-lt"/>
-              </a:rPr>
-              <a:t>Perguntas</a:t>
-            </a:r>
-            <a:endParaRPr lang="en-US" sz="4000" dirty="0">
-              <a:cs typeface="Calibri"/>
-            </a:endParaRPr>
-          </a:p>
-        </p:txBody>
-      </p:sp>
-      <p:pic>
-        <p:nvPicPr>
-          <p:cNvPr id="3" name="Gráfico 5" descr="Perguntas com preenchimento sólido">
-            <a:extLst>
-              <a:ext uri="{FF2B5EF4-FFF2-40B4-BE49-F238E27FC236}">
-                <a16:creationId xmlns:a16="http://schemas.microsoft.com/office/drawing/2014/main" id="{B35E9272-4ADA-42A4-887A-FC3950232D19}"/>
-              </a:ext>
-            </a:extLst>
-          </p:cNvPr>
-          <p:cNvPicPr>
-            <a:picLocks noChangeAspect="1"/>
-          </p:cNvPicPr>
-          <p:nvPr/>
-        </p:nvPicPr>
-        <p:blipFill>
-          <a:blip r:embed="rId3">
-            <a:extLst>
-              <a:ext uri="{96DAC541-7B7A-43D3-8B79-37D633B846F1}">
-                <asvg:svgBlip xmlns:asvg="http://schemas.microsoft.com/office/drawing/2016/SVG/main" r:embed="rId4"/>
-              </a:ext>
-            </a:extLst>
-          </a:blip>
-          <a:stretch>
-            <a:fillRect/>
-          </a:stretch>
-        </p:blipFill>
-        <p:spPr>
-          <a:xfrm>
-            <a:off x="4457700" y="1657350"/>
-            <a:ext cx="4476750" cy="4476750"/>
-          </a:xfrm>
-          <a:prstGeom prst="rect">
-            <a:avLst/>
-          </a:prstGeom>
-        </p:spPr>
-      </p:pic>
-    </p:spTree>
-    <p:extLst>
-      <p:ext uri="{BB962C8B-B14F-4D97-AF65-F5344CB8AC3E}">
-        <p14:creationId xmlns:p14="http://schemas.microsoft.com/office/powerpoint/2010/main" val="541333889"/>
-      </p:ext>
-    </p:extLst>
-  </p:cSld>
-  <p:clrMapOvr>
-    <a:masterClrMapping/>
-  </p:clrMapOvr>
-</p:sld>
-</file>
-
-<file path=ppt/slides/slide7.xml><?xml version="1.0" encoding="utf-8"?>
-<p:sld xmlns:a="http://schemas.openxmlformats.org/drawingml/2006/main" xmlns:r="http://schemas.openxmlformats.org/officeDocument/2006/relationships" xmlns:p="http://schemas.openxmlformats.org/presentationml/2006/main">
-  <p:cSld>
-    <p:spTree>
-      <p:nvGrpSpPr>
-        <p:cNvPr id="1" name=""/>
-        <p:cNvGrpSpPr/>
-        <p:nvPr/>
-      </p:nvGrpSpPr>
-      <p:grpSpPr>
-        <a:xfrm>
-          <a:off x="0" y="0"/>
-          <a:ext cx="0" cy="0"/>
-          <a:chOff x="0" y="0"/>
-          <a:chExt cx="0" cy="0"/>
-        </a:xfrm>
-      </p:grpSpPr>
-      <p:sp>
-        <p:nvSpPr>
-          <p:cNvPr id="2" name="Espaço Reservado para Número de Slide 1">
-            <a:extLst>
-              <a:ext uri="{FF2B5EF4-FFF2-40B4-BE49-F238E27FC236}">
-                <a16:creationId xmlns:a16="http://schemas.microsoft.com/office/drawing/2014/main" id="{00A5C847-9B16-45BB-A00A-7493094466B1}"/>
-              </a:ext>
-            </a:extLst>
-          </p:cNvPr>
-          <p:cNvSpPr>
-            <a:spLocks noGrp="1"/>
-          </p:cNvSpPr>
-          <p:nvPr>
-            <p:ph type="sldNum" sz="quarter" idx="12"/>
-          </p:nvPr>
-        </p:nvSpPr>
-        <p:spPr/>
-        <p:txBody>
-          <a:bodyPr/>
-          <a:lstStyle/>
-          <a:p>
-            <a:fld id="{47797270-BFBB-4212-9FDA-8EE01FE91F8C}" type="slidenum">
-              <a:rPr lang="pt-BR" smtClean="0"/>
-              <a:t>7</a:t>
-            </a:fld>
-            <a:endParaRPr lang="pt-BR"/>
-          </a:p>
-        </p:txBody>
-      </p:sp>
-      <p:sp>
-        <p:nvSpPr>
-          <p:cNvPr id="7" name="Retângulo 6">
-            <a:extLst>
-              <a:ext uri="{FF2B5EF4-FFF2-40B4-BE49-F238E27FC236}">
-                <a16:creationId xmlns:a16="http://schemas.microsoft.com/office/drawing/2014/main" id="{C0911691-8E5D-4130-9DEF-B295AC8F85B1}"/>
-              </a:ext>
-            </a:extLst>
-          </p:cNvPr>
-          <p:cNvSpPr/>
-          <p:nvPr/>
-        </p:nvSpPr>
-        <p:spPr>
-          <a:xfrm>
-            <a:off x="-134911" y="0"/>
-            <a:ext cx="1758759" cy="6840036"/>
-          </a:xfrm>
-          <a:prstGeom prst="rect">
-            <a:avLst/>
-          </a:prstGeom>
-          <a:solidFill>
-            <a:srgbClr val="053566"/>
-          </a:solidFill>
-        </p:spPr>
-        <p:style>
-          <a:lnRef idx="2">
-            <a:schemeClr val="accent1">
-              <a:shade val="50000"/>
-            </a:schemeClr>
-          </a:lnRef>
-          <a:fillRef idx="1">
-            <a:schemeClr val="accent1"/>
-          </a:fillRef>
-          <a:effectRef idx="0">
-            <a:schemeClr val="accent1"/>
-          </a:effectRef>
-          <a:fontRef idx="minor">
-            <a:schemeClr val="lt1"/>
-          </a:fontRef>
-        </p:style>
-        <p:txBody>
-          <a:bodyPr rtlCol="0" anchor="ctr"/>
-          <a:lstStyle/>
-          <a:p>
-            <a:pPr algn="ctr"/>
-            <a:endParaRPr lang="pt-BR"/>
-          </a:p>
-        </p:txBody>
-      </p:sp>
-      <p:pic>
-        <p:nvPicPr>
-          <p:cNvPr id="4" name="Imagem 3" descr="Logotipo&#10;&#10;Descrição gerada automaticamente">
-            <a:extLst>
-              <a:ext uri="{FF2B5EF4-FFF2-40B4-BE49-F238E27FC236}">
-                <a16:creationId xmlns:a16="http://schemas.microsoft.com/office/drawing/2014/main" id="{A8415950-AE8E-45C0-A2E5-D9B394DF621D}"/>
-              </a:ext>
-            </a:extLst>
-          </p:cNvPr>
-          <p:cNvPicPr>
-            <a:picLocks noChangeAspect="1"/>
-          </p:cNvPicPr>
-          <p:nvPr/>
-        </p:nvPicPr>
-        <p:blipFill>
-          <a:blip r:embed="rId2" cstate="print">
-            <a:extLst>
-              <a:ext uri="{28A0092B-C50C-407E-A947-70E740481C1C}">
-                <a14:useLocalDpi xmlns:a14="http://schemas.microsoft.com/office/drawing/2010/main" val="0"/>
-              </a:ext>
-            </a:extLst>
-          </a:blip>
-          <a:stretch>
-            <a:fillRect/>
-          </a:stretch>
-        </p:blipFill>
-        <p:spPr>
-          <a:xfrm>
-            <a:off x="196516" y="205083"/>
-            <a:ext cx="1106542" cy="1096089"/>
-          </a:xfrm>
-          <a:prstGeom prst="rect">
-            <a:avLst/>
-          </a:prstGeom>
-        </p:spPr>
-      </p:pic>
-      <p:sp>
-        <p:nvSpPr>
-          <p:cNvPr id="5" name="TextBox 4">
-            <a:extLst>
-              <a:ext uri="{FF2B5EF4-FFF2-40B4-BE49-F238E27FC236}">
-                <a16:creationId xmlns:a16="http://schemas.microsoft.com/office/drawing/2014/main" id="{751BADB0-5D73-43E9-9ABB-321766D8AE39}"/>
-              </a:ext>
-            </a:extLst>
-          </p:cNvPr>
-          <p:cNvSpPr txBox="1"/>
-          <p:nvPr/>
-        </p:nvSpPr>
-        <p:spPr>
-          <a:xfrm>
-            <a:off x="2167689" y="483268"/>
-            <a:ext cx="9310436" cy="707886"/>
-          </a:xfrm>
-          <a:prstGeom prst="rect">
-            <a:avLst/>
-          </a:prstGeom>
-          <a:noFill/>
-        </p:spPr>
-        <p:txBody>
-          <a:bodyPr rot="0" spcFirstLastPara="0" vertOverflow="overflow" horzOverflow="overflow" vert="horz" wrap="square" lIns="91440" tIns="45720" rIns="91440" bIns="45720" numCol="1" spcCol="0" rtlCol="0" fromWordArt="0" anchor="t" anchorCtr="0" forceAA="0" compatLnSpc="1">
-            <a:prstTxWarp prst="textNoShape">
-              <a:avLst/>
-            </a:prstTxWarp>
-            <a:spAutoFit/>
-          </a:bodyPr>
-          <a:lstStyle/>
-          <a:p>
-            <a:r>
-              <a:rPr lang="pt-BR" sz="4000" dirty="0">
-                <a:cs typeface="Calibri"/>
-              </a:rPr>
-              <a:t>Referencias</a:t>
-            </a:r>
-            <a:endParaRPr lang="pt-BR" dirty="0"/>
-          </a:p>
-        </p:txBody>
-      </p:sp>
-      <p:sp>
-        <p:nvSpPr>
-          <p:cNvPr id="6" name="TextBox 5">
-            <a:extLst>
-              <a:ext uri="{FF2B5EF4-FFF2-40B4-BE49-F238E27FC236}">
-                <a16:creationId xmlns:a16="http://schemas.microsoft.com/office/drawing/2014/main" id="{553D447B-6377-4757-977D-CB26B99C59EC}"/>
-              </a:ext>
-            </a:extLst>
-          </p:cNvPr>
-          <p:cNvSpPr txBox="1"/>
-          <p:nvPr/>
-        </p:nvSpPr>
-        <p:spPr>
-          <a:xfrm>
-            <a:off x="2251410" y="1596830"/>
-            <a:ext cx="6460524" cy="1200329"/>
-          </a:xfrm>
-          <a:prstGeom prst="rect">
-            <a:avLst/>
-          </a:prstGeom>
-          <a:noFill/>
-        </p:spPr>
-        <p:txBody>
-          <a:bodyPr rot="0" spcFirstLastPara="0" vertOverflow="overflow" horzOverflow="overflow" vert="horz" wrap="square" lIns="91440" tIns="45720" rIns="91440" bIns="45720" numCol="1" spcCol="0" rtlCol="0" fromWordArt="0" anchor="t" anchorCtr="0" forceAA="0" compatLnSpc="1">
-            <a:prstTxWarp prst="textNoShape">
-              <a:avLst/>
-            </a:prstTxWarp>
-            <a:spAutoFit/>
-          </a:bodyPr>
-          <a:lstStyle/>
-          <a:p>
-            <a:endParaRPr lang="en-US" dirty="0">
-              <a:cs typeface="Calibri"/>
-            </a:endParaRPr>
-          </a:p>
-          <a:p>
-            <a:endParaRPr lang="en-US" dirty="0">
-              <a:cs typeface="Calibri"/>
-            </a:endParaRPr>
-          </a:p>
-          <a:p>
-            <a:endParaRPr lang="en-US" dirty="0">
-              <a:cs typeface="Calibri"/>
-            </a:endParaRPr>
-          </a:p>
-          <a:p>
-            <a:endParaRPr lang="en-US" dirty="0">
+              <a:t>https://www.youtube.com/watch?v=48IgijQig6s</a:t>
+            </a:r>
+            <a:endParaRPr lang="en-US" sz="2800" dirty="0">
               <a:cs typeface="Calibri"/>
             </a:endParaRPr>
           </a:p>
@@ -6082,7 +5401,7 @@
 </p:sld>
 </file>
 
-<file path=ppt/slides/slide8.xml><?xml version="1.0" encoding="utf-8"?>
+<file path=ppt/slides/slide7.xml><?xml version="1.0" encoding="utf-8"?>
 <p:sld xmlns:a="http://schemas.openxmlformats.org/drawingml/2006/main" xmlns:r="http://schemas.openxmlformats.org/officeDocument/2006/relationships" xmlns:p="http://schemas.openxmlformats.org/presentationml/2006/main">
   <p:cSld>
     <p:spTree>
@@ -6324,33 +5643,6 @@
   <p:tag name="SLIDO_PRESENTATION_ID" val="00000000-0000-0000-0000-000000000000"/>
   <p:tag name="SLIDO_EVENT_UUID" val="4abe863a-cc69-4fa0-9739-0609616e484d"/>
   <p:tag name="SLIDO_EVENT_SECTION_UUID" val="c4d664fb-c36f-42f8-b8ed-d2bbda443983"/>
-</p:tagLst>
-</file>
-
-<file path=ppt/tags/tag2.xml><?xml version="1.0" encoding="utf-8"?>
-<p:tagLst xmlns:a="http://schemas.openxmlformats.org/drawingml/2006/main" xmlns:r="http://schemas.openxmlformats.org/officeDocument/2006/relationships" xmlns:p="http://schemas.openxmlformats.org/presentationml/2006/main">
-  <p:tag name="SLIDO_METADATA" val="eyJUaW1lc3RhbXAiOjE2MTkyMjQwMTV9"/>
-  <p:tag name="SLIDO_TYPE" val="SlidoPoll"/>
-  <p:tag name="SLIDO_POLL_UUID" val="0fc05e2b-bab2-4493-a223-5089b223606c"/>
-  <p:tag name="SLIDO_TIMELINE" val="W3sicG9sbFF1ZXN0aW9uVXVpZCI6IjIzOTU3ZDlkLTQwNDctNDgyYi05ZTMyLTFjODBiNGQxNDAxZSIsInNob3dSZXN1bHRzIjp0cnVlLCJzaG93Q29ycmVjdEFuc3dlcnMiOmZhbHNlLCJ2b3RpbmdMb2NrZWQiOmZhbHNlfV0="/>
-</p:tagLst>
-</file>
-
-<file path=ppt/tags/tag3.xml><?xml version="1.0" encoding="utf-8"?>
-<p:tagLst xmlns:a="http://schemas.openxmlformats.org/drawingml/2006/main" xmlns:r="http://schemas.openxmlformats.org/officeDocument/2006/relationships" xmlns:p="http://schemas.openxmlformats.org/presentationml/2006/main">
-  <p:tag name="SLIDO_ELEMENT" val="logo"/>
-</p:tagLst>
-</file>
-
-<file path=ppt/tags/tag4.xml><?xml version="1.0" encoding="utf-8"?>
-<p:tagLst xmlns:a="http://schemas.openxmlformats.org/drawingml/2006/main" xmlns:r="http://schemas.openxmlformats.org/officeDocument/2006/relationships" xmlns:p="http://schemas.openxmlformats.org/presentationml/2006/main">
-  <p:tag name="SLIDO_ELEMENT" val="title"/>
-</p:tagLst>
-</file>
-
-<file path=ppt/tags/tag5.xml><?xml version="1.0" encoding="utf-8"?>
-<p:tagLst xmlns:a="http://schemas.openxmlformats.org/drawingml/2006/main" xmlns:r="http://schemas.openxmlformats.org/officeDocument/2006/relationships" xmlns:p="http://schemas.openxmlformats.org/presentationml/2006/main">
-  <p:tag name="SLIDO_ELEMENT" val="footer"/>
 </p:tagLst>
 </file>
 

--- a/PGPARQ01C1-2N-P1-Arquitetura-Corporativa.pptx
+++ b/PGPARQ01C1-2N-P1-Arquitetura-Corporativa.pptx
@@ -5,21 +5,22 @@
     <p:sldMasterId id="2147483738" r:id="rId1"/>
   </p:sldMasterIdLst>
   <p:notesMasterIdLst>
-    <p:notesMasterId r:id="rId9"/>
+    <p:notesMasterId r:id="rId10"/>
   </p:notesMasterIdLst>
   <p:sldIdLst>
     <p:sldId id="256" r:id="rId2"/>
-    <p:sldId id="302" r:id="rId3"/>
+    <p:sldId id="306" r:id="rId3"/>
     <p:sldId id="284" r:id="rId4"/>
-    <p:sldId id="305" r:id="rId5"/>
-    <p:sldId id="304" r:id="rId6"/>
-    <p:sldId id="291" r:id="rId7"/>
-    <p:sldId id="292" r:id="rId8"/>
+    <p:sldId id="307" r:id="rId5"/>
+    <p:sldId id="305" r:id="rId6"/>
+    <p:sldId id="304" r:id="rId7"/>
+    <p:sldId id="291" r:id="rId8"/>
+    <p:sldId id="292" r:id="rId9"/>
   </p:sldIdLst>
   <p:sldSz cx="12192000" cy="6858000"/>
   <p:notesSz cx="7104063" cy="10234613"/>
   <p:custDataLst>
-    <p:tags r:id="rId10"/>
+    <p:tags r:id="rId11"/>
   </p:custDataLst>
   <p:defaultTextStyle>
     <a:defPPr>
@@ -206,7 +207,7 @@
           <a:p>
             <a:fld id="{55BECDCE-FB37-4BE8-AC87-6D19C222C26D}" type="datetimeFigureOut">
               <a:rPr lang="pt-BR" smtClean="0"/>
-              <a:t>25/04/2021</a:t>
+              <a:t>26/04/2021</a:t>
             </a:fld>
             <a:endParaRPr lang="pt-BR"/>
           </a:p>
@@ -364,7 +365,7 @@
           <a:p>
             <a:fld id="{788568F6-5D13-43A5-A7AE-BAB951121075}" type="slidenum">
               <a:rPr lang="pt-BR" smtClean="0"/>
-              <a:t>‹#›</a:t>
+              <a:t>‹nº›</a:t>
             </a:fld>
             <a:endParaRPr lang="pt-BR"/>
           </a:p>
@@ -622,7 +623,7 @@
           <a:p>
             <a:fld id="{788568F6-5D13-43A5-A7AE-BAB951121075}" type="slidenum">
               <a:rPr lang="pt-BR" smtClean="0"/>
-              <a:t>7</a:t>
+              <a:t>8</a:t>
             </a:fld>
             <a:endParaRPr lang="pt-BR"/>
           </a:p>
@@ -788,7 +789,7 @@
           <a:p>
             <a:fld id="{72401DC7-AFA8-4A4E-8829-B7D40A2E139C}" type="datetime1">
               <a:rPr lang="pt-BR" smtClean="0"/>
-              <a:t>25/04/2021</a:t>
+              <a:t>26/04/2021</a:t>
             </a:fld>
             <a:endParaRPr lang="pt-BR"/>
           </a:p>
@@ -842,7 +843,7 @@
           <a:p>
             <a:fld id="{47797270-BFBB-4212-9FDA-8EE01FE91F8C}" type="slidenum">
               <a:rPr lang="pt-BR" smtClean="0"/>
-              <a:t>‹#›</a:t>
+              <a:t>‹nº›</a:t>
             </a:fld>
             <a:endParaRPr lang="pt-BR"/>
           </a:p>
@@ -987,7 +988,7 @@
           <a:p>
             <a:fld id="{72401DC7-AFA8-4A4E-8829-B7D40A2E139C}" type="datetime1">
               <a:rPr lang="pt-BR" smtClean="0"/>
-              <a:t>25/04/2021</a:t>
+              <a:t>26/04/2021</a:t>
             </a:fld>
             <a:endParaRPr lang="pt-BR"/>
           </a:p>
@@ -1041,7 +1042,7 @@
           <a:p>
             <a:fld id="{47797270-BFBB-4212-9FDA-8EE01FE91F8C}" type="slidenum">
               <a:rPr lang="pt-BR" smtClean="0"/>
-              <a:t>‹#›</a:t>
+              <a:t>‹nº›</a:t>
             </a:fld>
             <a:endParaRPr lang="pt-BR"/>
           </a:p>
@@ -1196,7 +1197,7 @@
           <a:p>
             <a:fld id="{72401DC7-AFA8-4A4E-8829-B7D40A2E139C}" type="datetime1">
               <a:rPr lang="pt-BR" smtClean="0"/>
-              <a:t>25/04/2021</a:t>
+              <a:t>26/04/2021</a:t>
             </a:fld>
             <a:endParaRPr lang="pt-BR"/>
           </a:p>
@@ -1250,7 +1251,7 @@
           <a:p>
             <a:fld id="{47797270-BFBB-4212-9FDA-8EE01FE91F8C}" type="slidenum">
               <a:rPr lang="pt-BR" smtClean="0"/>
-              <a:t>‹#›</a:t>
+              <a:t>‹nº›</a:t>
             </a:fld>
             <a:endParaRPr lang="pt-BR"/>
           </a:p>
@@ -1395,7 +1396,7 @@
           <a:p>
             <a:fld id="{72401DC7-AFA8-4A4E-8829-B7D40A2E139C}" type="datetime1">
               <a:rPr lang="pt-BR" smtClean="0"/>
-              <a:t>25/04/2021</a:t>
+              <a:t>26/04/2021</a:t>
             </a:fld>
             <a:endParaRPr lang="pt-BR"/>
           </a:p>
@@ -1449,7 +1450,7 @@
           <a:p>
             <a:fld id="{47797270-BFBB-4212-9FDA-8EE01FE91F8C}" type="slidenum">
               <a:rPr lang="pt-BR" smtClean="0"/>
-              <a:t>‹#›</a:t>
+              <a:t>‹nº›</a:t>
             </a:fld>
             <a:endParaRPr lang="pt-BR"/>
           </a:p>
@@ -1671,7 +1672,7 @@
           <a:p>
             <a:fld id="{643A11A1-EEE3-4743-8BCA-DE45088FCD18}" type="datetime1">
               <a:rPr lang="pt-BR" smtClean="0"/>
-              <a:t>25/04/2021</a:t>
+              <a:t>26/04/2021</a:t>
             </a:fld>
             <a:endParaRPr lang="pt-BR"/>
           </a:p>
@@ -1725,7 +1726,7 @@
           <a:p>
             <a:fld id="{47797270-BFBB-4212-9FDA-8EE01FE91F8C}" type="slidenum">
               <a:rPr lang="pt-BR" smtClean="0"/>
-              <a:t>‹#›</a:t>
+              <a:t>‹nº›</a:t>
             </a:fld>
             <a:endParaRPr lang="pt-BR"/>
           </a:p>
@@ -1936,7 +1937,7 @@
           <a:p>
             <a:fld id="{EE52FBD5-AE7A-4843-8F0B-AC8FDA4415FB}" type="datetime1">
               <a:rPr lang="pt-BR" smtClean="0"/>
-              <a:t>25/04/2021</a:t>
+              <a:t>26/04/2021</a:t>
             </a:fld>
             <a:endParaRPr lang="pt-BR"/>
           </a:p>
@@ -1990,7 +1991,7 @@
           <a:p>
             <a:fld id="{47797270-BFBB-4212-9FDA-8EE01FE91F8C}" type="slidenum">
               <a:rPr lang="pt-BR" smtClean="0"/>
-              <a:t>‹#›</a:t>
+              <a:t>‹nº›</a:t>
             </a:fld>
             <a:endParaRPr lang="pt-BR"/>
           </a:p>
@@ -2348,7 +2349,7 @@
           <a:p>
             <a:fld id="{DD4DA1C0-AD60-403C-BAEB-064673A721B4}" type="datetime1">
               <a:rPr lang="pt-BR" smtClean="0"/>
-              <a:t>25/04/2021</a:t>
+              <a:t>26/04/2021</a:t>
             </a:fld>
             <a:endParaRPr lang="pt-BR"/>
           </a:p>
@@ -2402,7 +2403,7 @@
           <a:p>
             <a:fld id="{47797270-BFBB-4212-9FDA-8EE01FE91F8C}" type="slidenum">
               <a:rPr lang="pt-BR" smtClean="0"/>
-              <a:t>‹#›</a:t>
+              <a:t>‹nº›</a:t>
             </a:fld>
             <a:endParaRPr lang="pt-BR"/>
           </a:p>
@@ -2489,7 +2490,7 @@
           <a:p>
             <a:fld id="{72401DC7-AFA8-4A4E-8829-B7D40A2E139C}" type="datetime1">
               <a:rPr lang="pt-BR" smtClean="0"/>
-              <a:t>25/04/2021</a:t>
+              <a:t>26/04/2021</a:t>
             </a:fld>
             <a:endParaRPr lang="pt-BR"/>
           </a:p>
@@ -2543,7 +2544,7 @@
           <a:p>
             <a:fld id="{47797270-BFBB-4212-9FDA-8EE01FE91F8C}" type="slidenum">
               <a:rPr lang="pt-BR" smtClean="0"/>
-              <a:t>‹#›</a:t>
+              <a:t>‹nº›</a:t>
             </a:fld>
             <a:endParaRPr lang="pt-BR"/>
           </a:p>
@@ -2603,7 +2604,7 @@
           <a:p>
             <a:fld id="{72401DC7-AFA8-4A4E-8829-B7D40A2E139C}" type="datetime1">
               <a:rPr lang="pt-BR" smtClean="0"/>
-              <a:t>25/04/2021</a:t>
+              <a:t>26/04/2021</a:t>
             </a:fld>
             <a:endParaRPr lang="pt-BR"/>
           </a:p>
@@ -2657,7 +2658,7 @@
           <a:p>
             <a:fld id="{47797270-BFBB-4212-9FDA-8EE01FE91F8C}" type="slidenum">
               <a:rPr lang="pt-BR" smtClean="0"/>
-              <a:t>‹#›</a:t>
+              <a:t>‹nº›</a:t>
             </a:fld>
             <a:endParaRPr lang="pt-BR"/>
           </a:p>
@@ -2915,7 +2916,7 @@
           <a:p>
             <a:fld id="{2B41905E-D886-47E9-A95E-56DF85E102EF}" type="datetime1">
               <a:rPr lang="pt-BR" smtClean="0"/>
-              <a:t>25/04/2021</a:t>
+              <a:t>26/04/2021</a:t>
             </a:fld>
             <a:endParaRPr lang="pt-BR"/>
           </a:p>
@@ -2969,7 +2970,7 @@
           <a:p>
             <a:fld id="{47797270-BFBB-4212-9FDA-8EE01FE91F8C}" type="slidenum">
               <a:rPr lang="pt-BR" smtClean="0"/>
-              <a:t>‹#›</a:t>
+              <a:t>‹nº›</a:t>
             </a:fld>
             <a:endParaRPr lang="pt-BR"/>
           </a:p>
@@ -3203,7 +3204,7 @@
           <a:p>
             <a:fld id="{207BD677-3156-4978-A4C5-AD2FA256F6F2}" type="datetime1">
               <a:rPr lang="pt-BR" smtClean="0"/>
-              <a:t>25/04/2021</a:t>
+              <a:t>26/04/2021</a:t>
             </a:fld>
             <a:endParaRPr lang="pt-BR"/>
           </a:p>
@@ -3257,7 +3258,7 @@
           <a:p>
             <a:fld id="{47797270-BFBB-4212-9FDA-8EE01FE91F8C}" type="slidenum">
               <a:rPr lang="pt-BR" smtClean="0"/>
-              <a:t>‹#›</a:t>
+              <a:t>‹nº›</a:t>
             </a:fld>
             <a:endParaRPr lang="pt-BR"/>
           </a:p>
@@ -3444,7 +3445,7 @@
           <a:p>
             <a:fld id="{72401DC7-AFA8-4A4E-8829-B7D40A2E139C}" type="datetime1">
               <a:rPr lang="pt-BR" smtClean="0"/>
-              <a:t>25/04/2021</a:t>
+              <a:t>26/04/2021</a:t>
             </a:fld>
             <a:endParaRPr lang="pt-BR"/>
           </a:p>
@@ -3534,7 +3535,7 @@
           <a:p>
             <a:fld id="{47797270-BFBB-4212-9FDA-8EE01FE91F8C}" type="slidenum">
               <a:rPr lang="pt-BR" smtClean="0"/>
-              <a:t>‹#›</a:t>
+              <a:t>‹nº›</a:t>
             </a:fld>
             <a:endParaRPr lang="pt-BR"/>
           </a:p>
@@ -4170,8 +4171,16 @@
 </file>
 
 <file path=ppt/slides/slide2.xml><?xml version="1.0" encoding="utf-8"?>
-<p:sld xmlns:a="http://schemas.openxmlformats.org/drawingml/2006/main" xmlns:r="http://schemas.openxmlformats.org/officeDocument/2006/relationships" xmlns:p="http://schemas.openxmlformats.org/presentationml/2006/main">
+<p:sld xmlns:a="http://schemas.openxmlformats.org/drawingml/2006/main" xmlns:r="http://schemas.openxmlformats.org/officeDocument/2006/relationships" xmlns:p="http://schemas.openxmlformats.org/presentationml/2006/main" showMasterSp="0">
   <p:cSld>
+    <p:bg>
+      <p:bgPr>
+        <a:solidFill>
+          <a:srgbClr val="FFFFFF"/>
+        </a:solidFill>
+        <a:effectLst/>
+      </p:bgPr>
+    </p:bg>
     <p:spTree>
       <p:nvGrpSpPr>
         <p:cNvPr id="1" name=""/>
@@ -4188,10 +4197,10 @@
       </p:grpSpPr>
       <p:sp>
         <p:nvSpPr>
-          <p:cNvPr id="4" name="Slide Number Placeholder 3">
-            <a:extLst>
-              <a:ext uri="{FF2B5EF4-FFF2-40B4-BE49-F238E27FC236}">
-                <a16:creationId xmlns:a16="http://schemas.microsoft.com/office/drawing/2014/main" id="{A53D3814-ACF1-48D1-A62B-658643C708E1}"/>
+          <p:cNvPr id="2" name="Espaço Reservado para Número de Slide 1">
+            <a:extLst>
+              <a:ext uri="{FF2B5EF4-FFF2-40B4-BE49-F238E27FC236}">
+                <a16:creationId xmlns:a16="http://schemas.microsoft.com/office/drawing/2014/main" id="{C555294F-AC93-4184-AE72-C8B1F76EDB7E}"/>
               </a:ext>
             </a:extLst>
           </p:cNvPr>
@@ -4215,10 +4224,210 @@
           </a:p>
         </p:txBody>
       </p:sp>
+      <p:pic>
+        <p:nvPicPr>
+          <p:cNvPr id="4" name="Imagem 3">
+            <a:extLst>
+              <a:ext uri="{FF2B5EF4-FFF2-40B4-BE49-F238E27FC236}">
+                <a16:creationId xmlns:a16="http://schemas.microsoft.com/office/drawing/2014/main" id="{20F6CB49-0CAD-4E9B-8000-54A22352B0EE}"/>
+              </a:ext>
+            </a:extLst>
+          </p:cNvPr>
+          <p:cNvPicPr>
+            <a:picLocks/>
+          </p:cNvPicPr>
+          <p:nvPr>
+            <p:custDataLst>
+              <p:tags r:id="rId2"/>
+            </p:custDataLst>
+          </p:nvPr>
+        </p:nvPicPr>
+        <p:blipFill>
+          <a:blip r:embed="rId6" cstate="print">
+            <a:extLst>
+              <a:ext uri="{28A0092B-C50C-407E-A947-70E740481C1C}">
+                <a14:useLocalDpi xmlns:a14="http://schemas.microsoft.com/office/drawing/2010/main" val="0"/>
+              </a:ext>
+            </a:extLst>
+          </a:blip>
+          <a:stretch>
+            <a:fillRect/>
+          </a:stretch>
+        </p:blipFill>
+        <p:spPr>
+          <a:xfrm>
+            <a:off x="5486400" y="602187"/>
+            <a:ext cx="1219200" cy="510126"/>
+          </a:xfrm>
+          <a:prstGeom prst="rect">
+            <a:avLst/>
+          </a:prstGeom>
+        </p:spPr>
+      </p:pic>
+      <p:sp>
+        <p:nvSpPr>
+          <p:cNvPr id="5" name="Retângulo 4">
+            <a:extLst>
+              <a:ext uri="{FF2B5EF4-FFF2-40B4-BE49-F238E27FC236}">
+                <a16:creationId xmlns:a16="http://schemas.microsoft.com/office/drawing/2014/main" id="{566D25FB-5807-4774-897B-89A4198B66FD}"/>
+              </a:ext>
+            </a:extLst>
+          </p:cNvPr>
+          <p:cNvSpPr/>
+          <p:nvPr>
+            <p:custDataLst>
+              <p:tags r:id="rId3"/>
+            </p:custDataLst>
+          </p:nvPr>
+        </p:nvSpPr>
+        <p:spPr>
+          <a:xfrm>
+            <a:off x="0" y="1714500"/>
+            <a:ext cx="12192000" cy="3429000"/>
+          </a:xfrm>
+          <a:prstGeom prst="rect">
+            <a:avLst/>
+          </a:prstGeom>
+          <a:solidFill>
+            <a:srgbClr val="FFFFFF"/>
+          </a:solidFill>
+          <a:ln>
+            <a:solidFill>
+              <a:srgbClr val="FFFFFF"/>
+            </a:solidFill>
+          </a:ln>
+        </p:spPr>
+        <p:style>
+          <a:lnRef idx="2">
+            <a:schemeClr val="accent1">
+              <a:shade val="50000"/>
+            </a:schemeClr>
+          </a:lnRef>
+          <a:fillRef idx="1">
+            <a:schemeClr val="accent1"/>
+          </a:fillRef>
+          <a:effectRef idx="0">
+            <a:schemeClr val="accent1"/>
+          </a:effectRef>
+          <a:fontRef idx="minor">
+            <a:schemeClr val="lt1"/>
+          </a:fontRef>
+        </p:style>
+        <p:txBody>
+          <a:bodyPr rtlCol="0" anchor="ctr"/>
+          <a:lstStyle/>
+          <a:p>
+            <a:pPr algn="ctr"/>
+            <a:r>
+              <a:rPr lang="pt-BR" sz="3600">
+                <a:solidFill>
+                  <a:srgbClr val="424242"/>
+                </a:solidFill>
+              </a:rPr>
+              <a:t>Arquiteto tem que "meter a mão na massa"?</a:t>
+            </a:r>
+          </a:p>
+        </p:txBody>
+      </p:sp>
+      <p:sp>
+        <p:nvSpPr>
+          <p:cNvPr id="6" name="Retângulo 5">
+            <a:extLst>
+              <a:ext uri="{FF2B5EF4-FFF2-40B4-BE49-F238E27FC236}">
+                <a16:creationId xmlns:a16="http://schemas.microsoft.com/office/drawing/2014/main" id="{3BCBD35C-8A5B-4B1A-84D2-BBCFB3C962D5}"/>
+              </a:ext>
+            </a:extLst>
+          </p:cNvPr>
+          <p:cNvSpPr/>
+          <p:nvPr>
+            <p:custDataLst>
+              <p:tags r:id="rId4"/>
+            </p:custDataLst>
+          </p:nvPr>
+        </p:nvSpPr>
+        <p:spPr>
+          <a:xfrm>
+            <a:off x="0" y="5143500"/>
+            <a:ext cx="12192000" cy="1714500"/>
+          </a:xfrm>
+          <a:prstGeom prst="rect">
+            <a:avLst/>
+          </a:prstGeom>
+          <a:solidFill>
+            <a:srgbClr val="FFFFFF"/>
+          </a:solidFill>
+          <a:ln w="12700" cap="flat" cmpd="sng" algn="ctr">
+            <a:noFill/>
+            <a:prstDash val="solid"/>
+            <a:miter lim="800000"/>
+          </a:ln>
+          <a:effectLst/>
+          <a:extLst>
+            <a:ext uri="{91240B29-F687-4F45-9708-019B960494DF}">
+              <a14:hiddenLine xmlns:a14="http://schemas.microsoft.com/office/drawing/2010/main" w="12700" cap="flat" cmpd="sng" algn="ctr">
+                <a:solidFill>
+                  <a:schemeClr val="accent1">
+                    <a:shade val="50000"/>
+                  </a:schemeClr>
+                </a:solidFill>
+                <a:prstDash val="solid"/>
+                <a:miter lim="800000"/>
+              </a14:hiddenLine>
+            </a:ext>
+          </a:extLst>
+        </p:spPr>
+        <p:style>
+          <a:lnRef idx="2">
+            <a:schemeClr val="accent1">
+              <a:shade val="50000"/>
+            </a:schemeClr>
+          </a:lnRef>
+          <a:fillRef idx="1">
+            <a:schemeClr val="accent1"/>
+          </a:fillRef>
+          <a:effectRef idx="0">
+            <a:schemeClr val="accent1"/>
+          </a:effectRef>
+          <a:fontRef idx="minor">
+            <a:schemeClr val="lt1"/>
+          </a:fontRef>
+        </p:style>
+        <p:txBody>
+          <a:bodyPr rtlCol="0" anchor="ctr"/>
+          <a:lstStyle/>
+          <a:p>
+            <a:pPr algn="ctr"/>
+            <a:r>
+              <a:rPr lang="en-US" sz="1300" b="1">
+                <a:solidFill>
+                  <a:srgbClr val="39AC37"/>
+                </a:solidFill>
+              </a:rPr>
+              <a:t>ⓘ</a:t>
+            </a:r>
+            <a:r>
+              <a:rPr lang="en-US" sz="1400">
+                <a:solidFill>
+                  <a:srgbClr val="424242"/>
+                </a:solidFill>
+              </a:rPr>
+              <a:t> Start presenting to display the poll results on this slide.</a:t>
+            </a:r>
+            <a:endParaRPr lang="pt-BR" sz="1400">
+              <a:solidFill>
+                <a:srgbClr val="424242"/>
+              </a:solidFill>
+            </a:endParaRPr>
+          </a:p>
+        </p:txBody>
+      </p:sp>
     </p:spTree>
+    <p:custDataLst>
+      <p:tags r:id="rId1"/>
+    </p:custDataLst>
     <p:extLst>
       <p:ext uri="{BB962C8B-B14F-4D97-AF65-F5344CB8AC3E}">
-        <p14:creationId xmlns:p14="http://schemas.microsoft.com/office/powerpoint/2010/main" val="1272569558"/>
+        <p14:creationId xmlns:p14="http://schemas.microsoft.com/office/powerpoint/2010/main" val="1851145225"/>
       </p:ext>
     </p:extLst>
   </p:cSld>
@@ -4495,6 +4704,273 @@
 </file>
 
 <file path=ppt/slides/slide4.xml><?xml version="1.0" encoding="utf-8"?>
+<p:sld xmlns:a="http://schemas.openxmlformats.org/drawingml/2006/main" xmlns:r="http://schemas.openxmlformats.org/officeDocument/2006/relationships" xmlns:p="http://schemas.openxmlformats.org/presentationml/2006/main" showMasterSp="0">
+  <p:cSld>
+    <p:bg>
+      <p:bgPr>
+        <a:solidFill>
+          <a:srgbClr val="FFFFFF"/>
+        </a:solidFill>
+        <a:effectLst/>
+      </p:bgPr>
+    </p:bg>
+    <p:spTree>
+      <p:nvGrpSpPr>
+        <p:cNvPr id="1" name=""/>
+        <p:cNvGrpSpPr/>
+        <p:nvPr/>
+      </p:nvGrpSpPr>
+      <p:grpSpPr>
+        <a:xfrm>
+          <a:off x="0" y="0"/>
+          <a:ext cx="0" cy="0"/>
+          <a:chOff x="0" y="0"/>
+          <a:chExt cx="0" cy="0"/>
+        </a:xfrm>
+      </p:grpSpPr>
+      <p:sp>
+        <p:nvSpPr>
+          <p:cNvPr id="2" name="Espaço Reservado para Número de Slide 1">
+            <a:extLst>
+              <a:ext uri="{FF2B5EF4-FFF2-40B4-BE49-F238E27FC236}">
+                <a16:creationId xmlns:a16="http://schemas.microsoft.com/office/drawing/2014/main" id="{C7A5FC40-01B9-4BC9-B7ED-C060A831A622}"/>
+              </a:ext>
+            </a:extLst>
+          </p:cNvPr>
+          <p:cNvSpPr>
+            <a:spLocks noGrp="1"/>
+          </p:cNvSpPr>
+          <p:nvPr>
+            <p:ph type="sldNum" sz="quarter" idx="12"/>
+          </p:nvPr>
+        </p:nvSpPr>
+        <p:spPr/>
+        <p:txBody>
+          <a:bodyPr/>
+          <a:lstStyle/>
+          <a:p>
+            <a:fld id="{47797270-BFBB-4212-9FDA-8EE01FE91F8C}" type="slidenum">
+              <a:rPr lang="pt-BR" smtClean="0"/>
+              <a:t>4</a:t>
+            </a:fld>
+            <a:endParaRPr lang="pt-BR"/>
+          </a:p>
+        </p:txBody>
+      </p:sp>
+      <p:pic>
+        <p:nvPicPr>
+          <p:cNvPr id="4" name="Imagem 3">
+            <a:extLst>
+              <a:ext uri="{FF2B5EF4-FFF2-40B4-BE49-F238E27FC236}">
+                <a16:creationId xmlns:a16="http://schemas.microsoft.com/office/drawing/2014/main" id="{EB5E97B9-7D4E-4B3F-99A9-714E2590CA7F}"/>
+              </a:ext>
+            </a:extLst>
+          </p:cNvPr>
+          <p:cNvPicPr>
+            <a:picLocks/>
+          </p:cNvPicPr>
+          <p:nvPr>
+            <p:custDataLst>
+              <p:tags r:id="rId2"/>
+            </p:custDataLst>
+          </p:nvPr>
+        </p:nvPicPr>
+        <p:blipFill>
+          <a:blip r:embed="rId6" cstate="print">
+            <a:extLst>
+              <a:ext uri="{28A0092B-C50C-407E-A947-70E740481C1C}">
+                <a14:useLocalDpi xmlns:a14="http://schemas.microsoft.com/office/drawing/2010/main" val="0"/>
+              </a:ext>
+            </a:extLst>
+          </a:blip>
+          <a:stretch>
+            <a:fillRect/>
+          </a:stretch>
+        </p:blipFill>
+        <p:spPr>
+          <a:xfrm>
+            <a:off x="5486400" y="602187"/>
+            <a:ext cx="1219200" cy="510126"/>
+          </a:xfrm>
+          <a:prstGeom prst="rect">
+            <a:avLst/>
+          </a:prstGeom>
+        </p:spPr>
+      </p:pic>
+      <p:sp>
+        <p:nvSpPr>
+          <p:cNvPr id="5" name="Retângulo 4">
+            <a:extLst>
+              <a:ext uri="{FF2B5EF4-FFF2-40B4-BE49-F238E27FC236}">
+                <a16:creationId xmlns:a16="http://schemas.microsoft.com/office/drawing/2014/main" id="{2D79DDEA-CA9B-44A8-AE46-7193EBA5163B}"/>
+              </a:ext>
+            </a:extLst>
+          </p:cNvPr>
+          <p:cNvSpPr/>
+          <p:nvPr>
+            <p:custDataLst>
+              <p:tags r:id="rId3"/>
+            </p:custDataLst>
+          </p:nvPr>
+        </p:nvSpPr>
+        <p:spPr>
+          <a:xfrm>
+            <a:off x="0" y="1714500"/>
+            <a:ext cx="12192000" cy="3429000"/>
+          </a:xfrm>
+          <a:prstGeom prst="rect">
+            <a:avLst/>
+          </a:prstGeom>
+          <a:solidFill>
+            <a:srgbClr val="FFFFFF"/>
+          </a:solidFill>
+          <a:ln>
+            <a:solidFill>
+              <a:srgbClr val="FFFFFF"/>
+            </a:solidFill>
+          </a:ln>
+        </p:spPr>
+        <p:style>
+          <a:lnRef idx="2">
+            <a:schemeClr val="accent1">
+              <a:shade val="50000"/>
+            </a:schemeClr>
+          </a:lnRef>
+          <a:fillRef idx="1">
+            <a:schemeClr val="accent1"/>
+          </a:fillRef>
+          <a:effectRef idx="0">
+            <a:schemeClr val="accent1"/>
+          </a:effectRef>
+          <a:fontRef idx="minor">
+            <a:schemeClr val="lt1"/>
+          </a:fontRef>
+        </p:style>
+        <p:txBody>
+          <a:bodyPr rtlCol="0" anchor="ctr"/>
+          <a:lstStyle/>
+          <a:p>
+            <a:pPr algn="ctr"/>
+            <a:r>
+              <a:rPr lang="pt-BR" sz="3600">
+                <a:solidFill>
+                  <a:srgbClr val="424242"/>
+                </a:solidFill>
+              </a:rPr>
+              <a:t>Existe arquiteto corporativo especialista em tecnologia?</a:t>
+            </a:r>
+          </a:p>
+        </p:txBody>
+      </p:sp>
+      <p:sp>
+        <p:nvSpPr>
+          <p:cNvPr id="6" name="Retângulo 5">
+            <a:extLst>
+              <a:ext uri="{FF2B5EF4-FFF2-40B4-BE49-F238E27FC236}">
+                <a16:creationId xmlns:a16="http://schemas.microsoft.com/office/drawing/2014/main" id="{D2109B65-38C3-4A9B-873D-2604421434E3}"/>
+              </a:ext>
+            </a:extLst>
+          </p:cNvPr>
+          <p:cNvSpPr/>
+          <p:nvPr>
+            <p:custDataLst>
+              <p:tags r:id="rId4"/>
+            </p:custDataLst>
+          </p:nvPr>
+        </p:nvSpPr>
+        <p:spPr>
+          <a:xfrm>
+            <a:off x="0" y="5143500"/>
+            <a:ext cx="12192000" cy="1714500"/>
+          </a:xfrm>
+          <a:prstGeom prst="rect">
+            <a:avLst/>
+          </a:prstGeom>
+          <a:solidFill>
+            <a:srgbClr val="FFFFFF"/>
+          </a:solidFill>
+          <a:ln w="12700" cap="flat" cmpd="sng" algn="ctr">
+            <a:noFill/>
+            <a:prstDash val="solid"/>
+            <a:miter lim="800000"/>
+          </a:ln>
+          <a:effectLst/>
+          <a:extLst>
+            <a:ext uri="{91240B29-F687-4F45-9708-019B960494DF}">
+              <a14:hiddenLine xmlns:a14="http://schemas.microsoft.com/office/drawing/2010/main" w="12700" cap="flat" cmpd="sng" algn="ctr">
+                <a:solidFill>
+                  <a:schemeClr val="accent1">
+                    <a:shade val="50000"/>
+                  </a:schemeClr>
+                </a:solidFill>
+                <a:prstDash val="solid"/>
+                <a:miter lim="800000"/>
+              </a14:hiddenLine>
+            </a:ext>
+          </a:extLst>
+        </p:spPr>
+        <p:style>
+          <a:lnRef idx="2">
+            <a:schemeClr val="accent1">
+              <a:shade val="50000"/>
+            </a:schemeClr>
+          </a:lnRef>
+          <a:fillRef idx="1">
+            <a:schemeClr val="accent1"/>
+          </a:fillRef>
+          <a:effectRef idx="0">
+            <a:schemeClr val="accent1"/>
+          </a:effectRef>
+          <a:fontRef idx="minor">
+            <a:schemeClr val="lt1"/>
+          </a:fontRef>
+        </p:style>
+        <p:txBody>
+          <a:bodyPr rtlCol="0" anchor="ctr"/>
+          <a:lstStyle/>
+          <a:p>
+            <a:pPr algn="ctr"/>
+            <a:r>
+              <a:rPr lang="en-US" sz="1300" b="1">
+                <a:solidFill>
+                  <a:srgbClr val="39AC37"/>
+                </a:solidFill>
+              </a:rPr>
+              <a:t>ⓘ</a:t>
+            </a:r>
+            <a:r>
+              <a:rPr lang="en-US" sz="1400">
+                <a:solidFill>
+                  <a:srgbClr val="424242"/>
+                </a:solidFill>
+              </a:rPr>
+              <a:t> Start presenting to display the poll results on this slide.</a:t>
+            </a:r>
+            <a:endParaRPr lang="pt-BR" sz="1400">
+              <a:solidFill>
+                <a:srgbClr val="424242"/>
+              </a:solidFill>
+            </a:endParaRPr>
+          </a:p>
+        </p:txBody>
+      </p:sp>
+    </p:spTree>
+    <p:custDataLst>
+      <p:tags r:id="rId1"/>
+    </p:custDataLst>
+    <p:extLst>
+      <p:ext uri="{BB962C8B-B14F-4D97-AF65-F5344CB8AC3E}">
+        <p14:creationId xmlns:p14="http://schemas.microsoft.com/office/powerpoint/2010/main" val="293254599"/>
+      </p:ext>
+    </p:extLst>
+  </p:cSld>
+  <p:clrMapOvr>
+    <a:masterClrMapping/>
+  </p:clrMapOvr>
+</p:sld>
+</file>
+
+<file path=ppt/slides/slide5.xml><?xml version="1.0" encoding="utf-8"?>
 <p:sld xmlns:a="http://schemas.openxmlformats.org/drawingml/2006/main" xmlns:r="http://schemas.openxmlformats.org/officeDocument/2006/relationships" xmlns:p="http://schemas.openxmlformats.org/presentationml/2006/main">
   <p:cSld>
     <p:spTree>
@@ -4534,7 +5010,7 @@
           <a:p>
             <a:fld id="{47797270-BFBB-4212-9FDA-8EE01FE91F8C}" type="slidenum">
               <a:rPr lang="pt-BR" smtClean="0"/>
-              <a:t>4</a:t>
+              <a:t>5</a:t>
             </a:fld>
             <a:endParaRPr lang="pt-BR"/>
           </a:p>
@@ -4770,8 +5246,8 @@
         </p:nvSpPr>
         <p:spPr>
           <a:xfrm>
-            <a:off x="788848" y="2928593"/>
-            <a:ext cx="10294398" cy="3046988"/>
+            <a:off x="788848" y="3429000"/>
+            <a:ext cx="10294398" cy="2677656"/>
           </a:xfrm>
           <a:prstGeom prst="rect">
             <a:avLst/>
@@ -4783,15 +5259,6 @@
             <a:spAutoFit/>
           </a:bodyPr>
           <a:lstStyle/>
-          <a:p>
-            <a:pPr marL="285750" indent="-285750">
-              <a:buFont typeface="Arial" panose="020B0604020202020204" pitchFamily="34" charset="0"/>
-              <a:buChar char="•"/>
-            </a:pPr>
-            <a:endParaRPr lang="pt-BR" sz="2400" dirty="0">
-              <a:cs typeface="Calibri"/>
-            </a:endParaRPr>
-          </a:p>
           <a:p>
             <a:pPr marL="285750" indent="-285750">
               <a:buFont typeface="Arial" panose="020B0604020202020204" pitchFamily="34" charset="0"/>
@@ -4842,7 +5309,19 @@
               <a:rPr lang="pt-BR" sz="2400" dirty="0">
                 <a:cs typeface="Calibri"/>
               </a:rPr>
-              <a:t>O que não existe dentro da Arquitetura Corporativa:</a:t>
+              <a:t>O que </a:t>
+            </a:r>
+            <a:r>
+              <a:rPr lang="pt-BR" sz="2400" b="1" dirty="0">
+                <a:cs typeface="Calibri"/>
+              </a:rPr>
+              <a:t>não</a:t>
+            </a:r>
+            <a:r>
+              <a:rPr lang="pt-BR" sz="2400" dirty="0">
+                <a:cs typeface="Calibri"/>
+              </a:rPr>
+              <a:t> existe dentro da Arquitetura Corporativa:</a:t>
             </a:r>
           </a:p>
           <a:p>
@@ -4858,14 +5337,11 @@
               <a:rPr lang="pt-BR" sz="2400" dirty="0">
                 <a:cs typeface="Calibri"/>
               </a:rPr>
-              <a:t>	Arquiteto especialista. </a:t>
-            </a:r>
-            <a:r>
-              <a:rPr lang="pt-BR" sz="2400" u="sng" dirty="0">
-                <a:cs typeface="Calibri"/>
-              </a:rPr>
-              <a:t>TODO: Criar votação com o Slido!</a:t>
-            </a:r>
+              <a:t>	Arquiteto especialista.</a:t>
+            </a:r>
+            <a:endParaRPr lang="pt-BR" sz="2400" u="sng" dirty="0">
+              <a:cs typeface="Calibri"/>
+            </a:endParaRPr>
           </a:p>
         </p:txBody>
       </p:sp>
@@ -4882,7 +5358,7 @@
 </p:sld>
 </file>
 
-<file path=ppt/slides/slide5.xml><?xml version="1.0" encoding="utf-8"?>
+<file path=ppt/slides/slide6.xml><?xml version="1.0" encoding="utf-8"?>
 <p:sld xmlns:a="http://schemas.openxmlformats.org/drawingml/2006/main" xmlns:r="http://schemas.openxmlformats.org/officeDocument/2006/relationships" xmlns:p="http://schemas.openxmlformats.org/presentationml/2006/main">
   <p:cSld>
     <p:spTree>
@@ -4922,7 +5398,7 @@
           <a:p>
             <a:fld id="{47797270-BFBB-4212-9FDA-8EE01FE91F8C}" type="slidenum">
               <a:rPr lang="pt-BR" smtClean="0"/>
-              <a:t>5</a:t>
+              <a:t>6</a:t>
             </a:fld>
             <a:endParaRPr lang="pt-BR"/>
           </a:p>
@@ -5060,7 +5536,7 @@
               <a:rPr lang="pt-BR" sz="2400" dirty="0">
                 <a:cs typeface="Calibri"/>
               </a:rPr>
-              <a:t>generalista;</a:t>
+              <a:t>Generalista;</a:t>
             </a:r>
           </a:p>
           <a:p>
@@ -5072,7 +5548,7 @@
               <a:rPr lang="pt-BR" sz="2400" dirty="0">
                 <a:cs typeface="Calibri"/>
               </a:rPr>
-              <a:t>visão sistemática / capacidade de abstração;</a:t>
+              <a:t>Visão sistemática / capacidade de abstração;</a:t>
             </a:r>
           </a:p>
           <a:p>
@@ -5084,7 +5560,7 @@
               <a:rPr lang="pt-BR" sz="2400" dirty="0">
                 <a:cs typeface="Calibri"/>
               </a:rPr>
-              <a:t>visão de longo prazo + orientação a resultados;</a:t>
+              <a:t>Visão de longo prazo + orientação a resultados;</a:t>
             </a:r>
           </a:p>
           <a:p>
@@ -5096,7 +5572,7 @@
               <a:rPr lang="pt-BR" sz="2400" dirty="0">
                 <a:cs typeface="Calibri"/>
               </a:rPr>
-              <a:t>negociação e formação de consenso;</a:t>
+              <a:t>Negociação e formação de consenso;</a:t>
             </a:r>
           </a:p>
           <a:p>
@@ -5108,7 +5584,7 @@
               <a:rPr lang="pt-BR" sz="2400" dirty="0">
                 <a:cs typeface="Calibri"/>
               </a:rPr>
-              <a:t>ser poliglota (falar as línguas dos diversos </a:t>
+              <a:t>Ser poliglota (falar as línguas dos diversos </a:t>
             </a:r>
             <a:r>
               <a:rPr lang="pt-BR" sz="2400" i="1" dirty="0">
@@ -5132,7 +5608,7 @@
               <a:rPr lang="pt-BR" sz="2400" dirty="0">
                 <a:cs typeface="Calibri"/>
               </a:rPr>
-              <a:t>capacidade de análise de trade-offs.</a:t>
+              <a:t>Capacidade de análise de trade-offs.</a:t>
             </a:r>
             <a:br>
               <a:rPr lang="pt-BR" sz="2400" dirty="0">
@@ -5163,7 +5639,7 @@
 </p:sld>
 </file>
 
-<file path=ppt/slides/slide6.xml><?xml version="1.0" encoding="utf-8"?>
+<file path=ppt/slides/slide7.xml><?xml version="1.0" encoding="utf-8"?>
 <p:sld xmlns:a="http://schemas.openxmlformats.org/drawingml/2006/main" xmlns:r="http://schemas.openxmlformats.org/officeDocument/2006/relationships" xmlns:p="http://schemas.openxmlformats.org/presentationml/2006/main">
   <p:cSld>
     <p:spTree>
@@ -5203,7 +5679,7 @@
           <a:p>
             <a:fld id="{47797270-BFBB-4212-9FDA-8EE01FE91F8C}" type="slidenum">
               <a:rPr lang="pt-BR" smtClean="0"/>
-              <a:t>6</a:t>
+              <a:t>7</a:t>
             </a:fld>
             <a:endParaRPr lang="pt-BR"/>
           </a:p>
@@ -5401,7 +5877,7 @@
 </p:sld>
 </file>
 
-<file path=ppt/slides/slide7.xml><?xml version="1.0" encoding="utf-8"?>
+<file path=ppt/slides/slide8.xml><?xml version="1.0" encoding="utf-8"?>
 <p:sld xmlns:a="http://schemas.openxmlformats.org/drawingml/2006/main" xmlns:r="http://schemas.openxmlformats.org/officeDocument/2006/relationships" xmlns:p="http://schemas.openxmlformats.org/presentationml/2006/main">
   <p:cSld>
     <p:spTree>
@@ -5643,6 +6119,60 @@
   <p:tag name="SLIDO_PRESENTATION_ID" val="00000000-0000-0000-0000-000000000000"/>
   <p:tag name="SLIDO_EVENT_UUID" val="4abe863a-cc69-4fa0-9739-0609616e484d"/>
   <p:tag name="SLIDO_EVENT_SECTION_UUID" val="c4d664fb-c36f-42f8-b8ed-d2bbda443983"/>
+</p:tagLst>
+</file>
+
+<file path=ppt/tags/tag2.xml><?xml version="1.0" encoding="utf-8"?>
+<p:tagLst xmlns:a="http://schemas.openxmlformats.org/drawingml/2006/main" xmlns:r="http://schemas.openxmlformats.org/officeDocument/2006/relationships" xmlns:p="http://schemas.openxmlformats.org/presentationml/2006/main">
+  <p:tag name="SLIDO_METADATA" val="eyJUaW1lc3RhbXAiOjE2MTk0Njk3MDF9"/>
+  <p:tag name="SLIDO_TYPE" val="SlidoPoll"/>
+  <p:tag name="SLIDO_POLL_UUID" val="676c5896-e82a-4a73-a22b-6351c7e291a0"/>
+  <p:tag name="SLIDO_TIMELINE" val="W3sicG9sbFF1ZXN0aW9uVXVpZCI6IjFiMTE5N2VlLTgzOWMtNGY0OC05YzI4LWI0NmQxODE0ODJlYSIsInNob3dSZXN1bHRzIjp0cnVlLCJzaG93Q29ycmVjdEFuc3dlcnMiOmZhbHNlLCJ2b3RpbmdMb2NrZWQiOmZhbHNlfV0="/>
+</p:tagLst>
+</file>
+
+<file path=ppt/tags/tag3.xml><?xml version="1.0" encoding="utf-8"?>
+<p:tagLst xmlns:a="http://schemas.openxmlformats.org/drawingml/2006/main" xmlns:r="http://schemas.openxmlformats.org/officeDocument/2006/relationships" xmlns:p="http://schemas.openxmlformats.org/presentationml/2006/main">
+  <p:tag name="SLIDO_ELEMENT" val="logo"/>
+</p:tagLst>
+</file>
+
+<file path=ppt/tags/tag4.xml><?xml version="1.0" encoding="utf-8"?>
+<p:tagLst xmlns:a="http://schemas.openxmlformats.org/drawingml/2006/main" xmlns:r="http://schemas.openxmlformats.org/officeDocument/2006/relationships" xmlns:p="http://schemas.openxmlformats.org/presentationml/2006/main">
+  <p:tag name="SLIDO_ELEMENT" val="title"/>
+</p:tagLst>
+</file>
+
+<file path=ppt/tags/tag5.xml><?xml version="1.0" encoding="utf-8"?>
+<p:tagLst xmlns:a="http://schemas.openxmlformats.org/drawingml/2006/main" xmlns:r="http://schemas.openxmlformats.org/officeDocument/2006/relationships" xmlns:p="http://schemas.openxmlformats.org/presentationml/2006/main">
+  <p:tag name="SLIDO_ELEMENT" val="footer"/>
+</p:tagLst>
+</file>
+
+<file path=ppt/tags/tag6.xml><?xml version="1.0" encoding="utf-8"?>
+<p:tagLst xmlns:a="http://schemas.openxmlformats.org/drawingml/2006/main" xmlns:r="http://schemas.openxmlformats.org/officeDocument/2006/relationships" xmlns:p="http://schemas.openxmlformats.org/presentationml/2006/main">
+  <p:tag name="SLIDO_METADATA" val="eyJUaW1lc3RhbXAiOjE2MTk0NzA2MzV9"/>
+  <p:tag name="SLIDO_TYPE" val="SlidoPoll"/>
+  <p:tag name="SLIDO_POLL_UUID" val="9294cff8-38b6-4445-87b9-201bf2c88443"/>
+  <p:tag name="SLIDO_TIMELINE" val="W3sicG9sbFF1ZXN0aW9uVXVpZCI6IjEyMmEwOGEwLTc5ODktNDMzZC04NjM0LTA5YjU2ZDMwOTg2ZSIsInNob3dSZXN1bHRzIjp0cnVlLCJzaG93Q29ycmVjdEFuc3dlcnMiOmZhbHNlLCJ2b3RpbmdMb2NrZWQiOmZhbHNlfV0="/>
+</p:tagLst>
+</file>
+
+<file path=ppt/tags/tag7.xml><?xml version="1.0" encoding="utf-8"?>
+<p:tagLst xmlns:a="http://schemas.openxmlformats.org/drawingml/2006/main" xmlns:r="http://schemas.openxmlformats.org/officeDocument/2006/relationships" xmlns:p="http://schemas.openxmlformats.org/presentationml/2006/main">
+  <p:tag name="SLIDO_ELEMENT" val="logo"/>
+</p:tagLst>
+</file>
+
+<file path=ppt/tags/tag8.xml><?xml version="1.0" encoding="utf-8"?>
+<p:tagLst xmlns:a="http://schemas.openxmlformats.org/drawingml/2006/main" xmlns:r="http://schemas.openxmlformats.org/officeDocument/2006/relationships" xmlns:p="http://schemas.openxmlformats.org/presentationml/2006/main">
+  <p:tag name="SLIDO_ELEMENT" val="title"/>
+</p:tagLst>
+</file>
+
+<file path=ppt/tags/tag9.xml><?xml version="1.0" encoding="utf-8"?>
+<p:tagLst xmlns:a="http://schemas.openxmlformats.org/drawingml/2006/main" xmlns:r="http://schemas.openxmlformats.org/officeDocument/2006/relationships" xmlns:p="http://schemas.openxmlformats.org/presentationml/2006/main">
+  <p:tag name="SLIDO_ELEMENT" val="footer"/>
 </p:tagLst>
 </file>
 
